--- a/공학설계입문__웹_아이디어.pptx
+++ b/공학설계입문__웹_아이디어.pptx
@@ -106,6 +106,11 @@
       </a:defRPr>
     </a:lvl9pPr>
   </p:defaultTextStyle>
+  <p:extLst>
+    <p:ext uri="{EFAFB233-063F-42B5-8137-9DF3F51BA10A}">
+      <p15:sldGuideLst xmlns:p15="http://schemas.microsoft.com/office/powerpoint/2012/main"/>
+    </p:ext>
+  </p:extLst>
 </p:presentation>
 </file>
 
@@ -256,7 +261,7 @@
           <a:p>
             <a:fld id="{31D23E30-4844-450A-8FE2-BA117FA03542}" type="datetimeFigureOut">
               <a:rPr lang="ko-KR" altLang="en-US" smtClean="0"/>
-              <a:t>2021-11-13</a:t>
+              <a:t>2021-11-29</a:t>
             </a:fld>
             <a:endParaRPr lang="ko-KR" altLang="en-US"/>
           </a:p>
@@ -454,7 +459,7 @@
           <a:p>
             <a:fld id="{31D23E30-4844-450A-8FE2-BA117FA03542}" type="datetimeFigureOut">
               <a:rPr lang="ko-KR" altLang="en-US" smtClean="0"/>
-              <a:t>2021-11-13</a:t>
+              <a:t>2021-11-29</a:t>
             </a:fld>
             <a:endParaRPr lang="ko-KR" altLang="en-US"/>
           </a:p>
@@ -662,7 +667,7 @@
           <a:p>
             <a:fld id="{31D23E30-4844-450A-8FE2-BA117FA03542}" type="datetimeFigureOut">
               <a:rPr lang="ko-KR" altLang="en-US" smtClean="0"/>
-              <a:t>2021-11-13</a:t>
+              <a:t>2021-11-29</a:t>
             </a:fld>
             <a:endParaRPr lang="ko-KR" altLang="en-US"/>
           </a:p>
@@ -860,7 +865,7 @@
           <a:p>
             <a:fld id="{31D23E30-4844-450A-8FE2-BA117FA03542}" type="datetimeFigureOut">
               <a:rPr lang="ko-KR" altLang="en-US" smtClean="0"/>
-              <a:t>2021-11-13</a:t>
+              <a:t>2021-11-29</a:t>
             </a:fld>
             <a:endParaRPr lang="ko-KR" altLang="en-US"/>
           </a:p>
@@ -1135,7 +1140,7 @@
           <a:p>
             <a:fld id="{31D23E30-4844-450A-8FE2-BA117FA03542}" type="datetimeFigureOut">
               <a:rPr lang="ko-KR" altLang="en-US" smtClean="0"/>
-              <a:t>2021-11-13</a:t>
+              <a:t>2021-11-29</a:t>
             </a:fld>
             <a:endParaRPr lang="ko-KR" altLang="en-US"/>
           </a:p>
@@ -1400,7 +1405,7 @@
           <a:p>
             <a:fld id="{31D23E30-4844-450A-8FE2-BA117FA03542}" type="datetimeFigureOut">
               <a:rPr lang="ko-KR" altLang="en-US" smtClean="0"/>
-              <a:t>2021-11-13</a:t>
+              <a:t>2021-11-29</a:t>
             </a:fld>
             <a:endParaRPr lang="ko-KR" altLang="en-US"/>
           </a:p>
@@ -1812,7 +1817,7 @@
           <a:p>
             <a:fld id="{31D23E30-4844-450A-8FE2-BA117FA03542}" type="datetimeFigureOut">
               <a:rPr lang="ko-KR" altLang="en-US" smtClean="0"/>
-              <a:t>2021-11-13</a:t>
+              <a:t>2021-11-29</a:t>
             </a:fld>
             <a:endParaRPr lang="ko-KR" altLang="en-US"/>
           </a:p>
@@ -1953,7 +1958,7 @@
           <a:p>
             <a:fld id="{31D23E30-4844-450A-8FE2-BA117FA03542}" type="datetimeFigureOut">
               <a:rPr lang="ko-KR" altLang="en-US" smtClean="0"/>
-              <a:t>2021-11-13</a:t>
+              <a:t>2021-11-29</a:t>
             </a:fld>
             <a:endParaRPr lang="ko-KR" altLang="en-US"/>
           </a:p>
@@ -2066,7 +2071,7 @@
           <a:p>
             <a:fld id="{31D23E30-4844-450A-8FE2-BA117FA03542}" type="datetimeFigureOut">
               <a:rPr lang="ko-KR" altLang="en-US" smtClean="0"/>
-              <a:t>2021-11-13</a:t>
+              <a:t>2021-11-29</a:t>
             </a:fld>
             <a:endParaRPr lang="ko-KR" altLang="en-US"/>
           </a:p>
@@ -2377,7 +2382,7 @@
           <a:p>
             <a:fld id="{31D23E30-4844-450A-8FE2-BA117FA03542}" type="datetimeFigureOut">
               <a:rPr lang="ko-KR" altLang="en-US" smtClean="0"/>
-              <a:t>2021-11-13</a:t>
+              <a:t>2021-11-29</a:t>
             </a:fld>
             <a:endParaRPr lang="ko-KR" altLang="en-US"/>
           </a:p>
@@ -2665,7 +2670,7 @@
           <a:p>
             <a:fld id="{31D23E30-4844-450A-8FE2-BA117FA03542}" type="datetimeFigureOut">
               <a:rPr lang="ko-KR" altLang="en-US" smtClean="0"/>
-              <a:t>2021-11-13</a:t>
+              <a:t>2021-11-29</a:t>
             </a:fld>
             <a:endParaRPr lang="ko-KR" altLang="en-US"/>
           </a:p>
@@ -2906,7 +2911,7 @@
           <a:p>
             <a:fld id="{31D23E30-4844-450A-8FE2-BA117FA03542}" type="datetimeFigureOut">
               <a:rPr lang="ko-KR" altLang="en-US" smtClean="0"/>
-              <a:t>2021-11-13</a:t>
+              <a:t>2021-11-29</a:t>
             </a:fld>
             <a:endParaRPr lang="ko-KR" altLang="en-US"/>
           </a:p>
@@ -3421,13 +3426,13 @@
         </p:nvSpPr>
         <p:spPr>
           <a:xfrm>
-            <a:off x="1141272" y="989584"/>
-            <a:ext cx="9680854" cy="296291"/>
+            <a:off x="1141272" y="557940"/>
+            <a:ext cx="9680854" cy="727936"/>
           </a:xfrm>
         </p:spPr>
         <p:txBody>
           <a:bodyPr>
-            <a:normAutofit fontScale="90000"/>
+            <a:normAutofit/>
           </a:bodyPr>
           <a:lstStyle/>
           <a:p>
@@ -3435,7 +3440,7 @@
               <a:defRPr lang="ko-KR" altLang="en-US"/>
             </a:pPr>
             <a:r>
-              <a:rPr lang="ko-KR" altLang="en-US"/>
+              <a:rPr lang="ko-KR" altLang="en-US" dirty="0"/>
               <a:t>웹 개발 - 나에게 맞는 의류 찾기(가명)</a:t>
             </a:r>
           </a:p>
@@ -3453,27 +3458,36 @@
         </p:nvSpPr>
         <p:spPr>
           <a:xfrm>
-            <a:off x="1025245" y="1656588"/>
-            <a:ext cx="9680854" cy="1286637"/>
+            <a:off x="808269" y="1501605"/>
+            <a:ext cx="9680854" cy="1445854"/>
           </a:xfrm>
         </p:spPr>
         <p:txBody>
           <a:bodyPr>
-            <a:normAutofit fontScale="70000" lnSpcReduction="20000"/>
+            <a:normAutofit fontScale="92500" lnSpcReduction="20000"/>
           </a:bodyPr>
           <a:lstStyle/>
           <a:p>
-            <a:pPr marL="440690">
+            <a:pPr marL="212090" indent="0">
               <a:lnSpc>
                 <a:spcPct val="100000"/>
               </a:lnSpc>
               <a:spcBef>
                 <a:spcPts val="925"/>
               </a:spcBef>
+              <a:buNone/>
               <a:defRPr lang="ko-KR" altLang="en-US"/>
             </a:pPr>
             <a:r>
-              <a:rPr lang="ko-KR" altLang="en-US" b="0" spc="-5">
+              <a:rPr lang="en-US" altLang="ko-KR" sz="2000" b="0" spc="-5" dirty="0">
+                <a:latin typeface="맑은 고딕"/>
+                <a:ea typeface="+mj-ea"/>
+                <a:cs typeface="맑은 고딕"/>
+              </a:rPr>
+              <a:t># </a:t>
+            </a:r>
+            <a:r>
+              <a:rPr lang="ko-KR" altLang="en-US" sz="2000" b="0" spc="-5" dirty="0">
                 <a:latin typeface="맑은 고딕"/>
                 <a:ea typeface="+mj-ea"/>
                 <a:cs typeface="맑은 고딕"/>
@@ -3481,7 +3495,7 @@
               <a:t>1</a:t>
             </a:r>
             <a:r>
-              <a:rPr lang="ko-KR" b="0" spc="-5">
+              <a:rPr lang="ko-KR" sz="2000" b="0" spc="-5" dirty="0">
                 <a:latin typeface="맑은 고딕"/>
                 <a:ea typeface="+mj-ea"/>
                 <a:cs typeface="맑은 고딕"/>
@@ -3489,37 +3503,149 @@
               <a:t>) 문제 인식 :</a:t>
             </a:r>
             <a:r>
-              <a:rPr lang="ko-KR" altLang="en-US" b="0" spc="-5">
+              <a:rPr lang="ko-KR" altLang="en-US" sz="2000" b="0" spc="-5" dirty="0">
                 <a:latin typeface="맑은 고딕"/>
                 <a:ea typeface="+mj-ea"/>
                 <a:cs typeface="맑은 고딕"/>
               </a:rPr>
-              <a:t> 자신이 선호하는 스타일을 찾기위해서 일일히 찾아야되는 번거로움과 불편함을 해소할 수 없을까?</a:t>
-            </a:r>
-            <a:r>
-              <a:rPr lang="ko-KR" b="0" spc="-5">
+              <a:t> 자신이 선호하는 스타일을 </a:t>
+            </a:r>
+            <a:r>
+              <a:rPr lang="ko-KR" altLang="en-US" sz="2000" b="0" spc="-5" dirty="0" err="1">
+                <a:latin typeface="맑은 고딕"/>
+                <a:ea typeface="+mj-ea"/>
+                <a:cs typeface="맑은 고딕"/>
+              </a:rPr>
+              <a:t>찾기위해서</a:t>
+            </a:r>
+            <a:r>
+              <a:rPr lang="ko-KR" altLang="en-US" sz="2000" b="0" spc="-5" dirty="0">
                 <a:latin typeface="맑은 고딕"/>
                 <a:ea typeface="+mj-ea"/>
                 <a:cs typeface="맑은 고딕"/>
               </a:rPr>
               <a:t> </a:t>
             </a:r>
-          </a:p>
-          <a:p>
-            <a:pPr marL="440690">
+            <a:r>
+              <a:rPr lang="ko-KR" altLang="en-US" sz="2000" b="0" spc="-5" dirty="0" err="1">
+                <a:latin typeface="맑은 고딕"/>
+                <a:ea typeface="+mj-ea"/>
+                <a:cs typeface="맑은 고딕"/>
+              </a:rPr>
+              <a:t>일일히</a:t>
+            </a:r>
+            <a:r>
+              <a:rPr lang="ko-KR" altLang="en-US" sz="2000" b="0" spc="-5" dirty="0">
+                <a:latin typeface="맑은 고딕"/>
+                <a:ea typeface="+mj-ea"/>
+                <a:cs typeface="맑은 고딕"/>
+              </a:rPr>
+              <a:t> </a:t>
+            </a:r>
+            <a:r>
+              <a:rPr lang="ko-KR" altLang="en-US" sz="2000" b="0" spc="-5" dirty="0" err="1">
+                <a:latin typeface="맑은 고딕"/>
+                <a:ea typeface="+mj-ea"/>
+                <a:cs typeface="맑은 고딕"/>
+              </a:rPr>
+              <a:t>찾아야되는</a:t>
+            </a:r>
+            <a:r>
+              <a:rPr lang="ko-KR" altLang="en-US" sz="2000" b="0" spc="-5" dirty="0">
+                <a:latin typeface="맑은 고딕"/>
+                <a:ea typeface="+mj-ea"/>
+                <a:cs typeface="맑은 고딕"/>
+              </a:rPr>
+              <a:t> </a:t>
+            </a:r>
+            <a:endParaRPr lang="en-US" altLang="ko-KR" sz="2000" b="0" spc="-5" dirty="0">
+              <a:latin typeface="맑은 고딕"/>
+              <a:ea typeface="+mj-ea"/>
+              <a:cs typeface="맑은 고딕"/>
+            </a:endParaRPr>
+          </a:p>
+          <a:p>
+            <a:pPr marL="212090" indent="0">
+              <a:lnSpc>
+                <a:spcPct val="100000"/>
+              </a:lnSpc>
+              <a:spcBef>
+                <a:spcPts val="925"/>
+              </a:spcBef>
+              <a:buNone/>
+              <a:defRPr lang="ko-KR" altLang="en-US"/>
+            </a:pPr>
+            <a:r>
+              <a:rPr lang="en-US" altLang="ko-KR" sz="2000" spc="-5" dirty="0">
+                <a:latin typeface="맑은 고딕"/>
+                <a:ea typeface="+mj-ea"/>
+                <a:cs typeface="맑은 고딕"/>
+              </a:rPr>
+              <a:t>  </a:t>
+            </a:r>
+            <a:r>
+              <a:rPr lang="ko-KR" altLang="en-US" sz="2000" b="0" spc="-5" dirty="0">
+                <a:latin typeface="맑은 고딕"/>
+                <a:ea typeface="+mj-ea"/>
+                <a:cs typeface="맑은 고딕"/>
+              </a:rPr>
+              <a:t>번거로움과 불편함을 해소할 수 없을까?</a:t>
+            </a:r>
+            <a:r>
+              <a:rPr lang="ko-KR" sz="2000" b="0" spc="-5" dirty="0">
+                <a:latin typeface="맑은 고딕"/>
+                <a:ea typeface="+mj-ea"/>
+                <a:cs typeface="맑은 고딕"/>
+              </a:rPr>
+              <a:t> </a:t>
+            </a:r>
+            <a:endParaRPr lang="en-US" altLang="ko-KR" sz="2000" b="0" spc="-5" dirty="0">
+              <a:latin typeface="맑은 고딕"/>
+              <a:ea typeface="+mj-ea"/>
+              <a:cs typeface="맑은 고딕"/>
+            </a:endParaRPr>
+          </a:p>
+          <a:p>
+            <a:pPr marL="212090" indent="0">
+              <a:lnSpc>
+                <a:spcPct val="100000"/>
+              </a:lnSpc>
+              <a:spcBef>
+                <a:spcPts val="925"/>
+              </a:spcBef>
+              <a:buNone/>
+              <a:defRPr lang="ko-KR" altLang="en-US"/>
+            </a:pPr>
+            <a:endParaRPr lang="ko-KR" sz="2000" b="0" spc="-5" dirty="0">
+              <a:latin typeface="맑은 고딕"/>
+              <a:ea typeface="+mj-ea"/>
+              <a:cs typeface="맑은 고딕"/>
+            </a:endParaRPr>
+          </a:p>
+          <a:p>
+            <a:pPr marL="212090" indent="0">
               <a:lnSpc>
                 <a:spcPct val="100000"/>
               </a:lnSpc>
               <a:spcBef>
                 <a:spcPts val="780"/>
               </a:spcBef>
+              <a:buNone/>
               <a:tabLst>
                 <a:tab pos="5582920" algn="l"/>
               </a:tabLst>
               <a:defRPr lang="ko-KR" altLang="en-US"/>
             </a:pPr>
             <a:r>
-              <a:rPr lang="ko-KR" b="0" spc="-5">
+              <a:rPr lang="en-US" altLang="ko-KR" sz="2000" b="0" spc="-5" dirty="0">
+                <a:latin typeface="맑은 고딕"/>
+                <a:ea typeface="+mj-ea"/>
+                <a:cs typeface="맑은 고딕"/>
+              </a:rPr>
+              <a:t># </a:t>
+            </a:r>
+            <a:r>
+              <a:rPr lang="ko-KR" sz="2000" b="0" spc="-5" dirty="0">
                 <a:latin typeface="맑은 고딕"/>
                 <a:ea typeface="+mj-ea"/>
                 <a:cs typeface="맑은 고딕"/>
@@ -3527,7 +3653,7 @@
               <a:t>2) 문제 정의 : </a:t>
             </a:r>
             <a:r>
-              <a:rPr lang="ko-KR" altLang="en-US" b="0" spc="-5">
+              <a:rPr lang="ko-KR" altLang="en-US" sz="2000" b="0" spc="-5" dirty="0">
                 <a:latin typeface="맑은 고딕"/>
                 <a:ea typeface="+mj-ea"/>
                 <a:cs typeface="맑은 고딕"/>
@@ -3535,73 +3661,19 @@
               <a:t>5</a:t>
             </a:r>
             <a:r>
-              <a:rPr lang="en-US" altLang="ko-KR" b="0" spc="-5">
+              <a:rPr lang="en-US" altLang="ko-KR" sz="2000" b="0" spc="-5" dirty="0">
                 <a:latin typeface="맑은 고딕"/>
                 <a:ea typeface="+mj-ea"/>
                 <a:cs typeface="맑은 고딕"/>
               </a:rPr>
               <a:t>WHYS</a:t>
             </a:r>
-            <a:endParaRPr lang="ko-KR" b="0" spc="-5">
+            <a:endParaRPr lang="ko-KR" sz="2000" b="0" spc="-5" dirty="0">
               <a:latin typeface="맑은 고딕"/>
               <a:ea typeface="+mj-ea"/>
               <a:cs typeface="맑은 고딕"/>
             </a:endParaRPr>
           </a:p>
-          <a:p>
-            <a:pPr marL="440690">
-              <a:lnSpc>
-                <a:spcPct val="100000"/>
-              </a:lnSpc>
-              <a:spcBef>
-                <a:spcPts val="780"/>
-              </a:spcBef>
-              <a:tabLst>
-                <a:tab pos="5582920" algn="l"/>
-              </a:tabLst>
-              <a:defRPr lang="ko-KR" altLang="en-US"/>
-            </a:pPr>
-            <a:r>
-              <a:rPr lang="ko-KR" b="0" spc="-5">
-                <a:latin typeface="맑은 고딕"/>
-                <a:ea typeface="+mj-ea"/>
-                <a:cs typeface="맑은 고딕"/>
-              </a:rPr>
-              <a:t>3) </a:t>
-            </a:r>
-            <a:r>
-              <a:rPr lang="ko-KR" b="0" spc="-10">
-                <a:latin typeface="맑은 고딕"/>
-                <a:ea typeface="+mj-ea"/>
-                <a:cs typeface="맑은 고딕"/>
-              </a:rPr>
-              <a:t>아이디어 </a:t>
-            </a:r>
-            <a:r>
-              <a:rPr lang="ko-KR" b="0" spc="-5">
-                <a:latin typeface="맑은 고딕"/>
-                <a:ea typeface="+mj-ea"/>
-                <a:cs typeface="맑은 고딕"/>
-              </a:rPr>
-              <a:t>도출 :</a:t>
-            </a:r>
-            <a:r>
-              <a:rPr lang="ko-KR" altLang="en-US" b="0" spc="-5">
-                <a:latin typeface="맑은 고딕"/>
-                <a:ea typeface="+mj-ea"/>
-                <a:cs typeface="맑은 고딕"/>
-              </a:rPr>
-              <a:t> 브레인스토밍</a:t>
-            </a:r>
-            <a:r>
-              <a:rPr lang="ko-KR" b="0" spc="-5">
-                <a:latin typeface="맑은 고딕"/>
-                <a:ea typeface="+mj-ea"/>
-                <a:cs typeface="맑은 고딕"/>
-              </a:rPr>
-              <a:t> </a:t>
-            </a:r>
-          </a:p>
         </p:txBody>
       </p:sp>
       <p:sp>
@@ -3612,8 +3684,8 @@
         </p:nvSpPr>
         <p:spPr>
           <a:xfrm>
-            <a:off x="1028700" y="3048000"/>
-            <a:ext cx="10134600" cy="1731645"/>
+            <a:off x="1028700" y="3158954"/>
+            <a:ext cx="10134600" cy="1754326"/>
           </a:xfrm>
           <a:prstGeom prst="rect">
             <a:avLst/>
@@ -3629,11 +3701,11 @@
               <a:defRPr lang="ko-KR" altLang="en-US"/>
             </a:pPr>
             <a:r>
-              <a:rPr lang="ko-KR" altLang="en-US"/>
+              <a:rPr lang="ko-KR" altLang="en-US" dirty="0"/>
               <a:t>5</a:t>
             </a:r>
             <a:r>
-              <a:rPr lang="en-US" altLang="ko-KR"/>
+              <a:rPr lang="en-US" altLang="ko-KR" dirty="0"/>
               <a:t>WHYS </a:t>
             </a:r>
           </a:p>
@@ -3642,12 +3714,20 @@
               <a:defRPr lang="ko-KR" altLang="en-US"/>
             </a:pPr>
             <a:r>
-              <a:rPr lang="en-US" altLang="ko-KR"/>
+              <a:rPr lang="en-US" altLang="ko-KR" dirty="0"/>
               <a:t>1. </a:t>
             </a:r>
             <a:r>
-              <a:rPr lang="ko-KR" altLang="en-US"/>
-              <a:t>왜 선호하는 옷을 찾지 못했는가?       답 : 너무 다양해서</a:t>
+              <a:rPr lang="ko-KR" altLang="en-US" dirty="0"/>
+              <a:t>왜 선호하는 옷을 찾지 못했는가?     </a:t>
+            </a:r>
+            <a:r>
+              <a:rPr lang="en-US" altLang="ko-KR" dirty="0"/>
+              <a:t>	</a:t>
+            </a:r>
+            <a:r>
+              <a:rPr lang="ko-KR" altLang="en-US" dirty="0"/>
+              <a:t> 답 : 너무 다양해서</a:t>
             </a:r>
           </a:p>
           <a:p>
@@ -3655,12 +3735,20 @@
               <a:defRPr lang="ko-KR" altLang="en-US"/>
             </a:pPr>
             <a:r>
-              <a:rPr lang="en-US" altLang="ko-KR"/>
+              <a:rPr lang="en-US" altLang="ko-KR" dirty="0"/>
               <a:t>2.</a:t>
             </a:r>
             <a:r>
-              <a:rPr lang="ko-KR" altLang="en-US"/>
-              <a:t> 왜 다양한가?                                  답 : 특정 옷이 모든 사람을 만족시킬 수 없어서</a:t>
+              <a:rPr lang="ko-KR" altLang="en-US" dirty="0"/>
+              <a:t> 왜 다양한가?                                </a:t>
+            </a:r>
+            <a:r>
+              <a:rPr lang="en-US" altLang="ko-KR" dirty="0"/>
+              <a:t>	</a:t>
+            </a:r>
+            <a:r>
+              <a:rPr lang="ko-KR" altLang="en-US" dirty="0"/>
+              <a:t> 답 : 특정 옷이 모든 사람을 만족시킬 수 없어서</a:t>
             </a:r>
           </a:p>
           <a:p>
@@ -3668,12 +3756,20 @@
               <a:defRPr lang="ko-KR" altLang="en-US"/>
             </a:pPr>
             <a:r>
-              <a:rPr lang="en-US" altLang="ko-KR"/>
+              <a:rPr lang="en-US" altLang="ko-KR" dirty="0"/>
               <a:t>3.</a:t>
             </a:r>
             <a:r>
-              <a:rPr lang="ko-KR" altLang="en-US"/>
-              <a:t> 왜 만족시킬 수 없는가?                    답 : 개인마다 선호하는 스타일이 달라서</a:t>
+              <a:rPr lang="ko-KR" altLang="en-US" dirty="0"/>
+              <a:t> 왜 만족시킬 수 없는가?                   </a:t>
+            </a:r>
+            <a:r>
+              <a:rPr lang="en-US" altLang="ko-KR" dirty="0"/>
+              <a:t>	</a:t>
+            </a:r>
+            <a:r>
+              <a:rPr lang="ko-KR" altLang="en-US" dirty="0"/>
+              <a:t> 답 : 개인마다 선호하는 스타일이 달라서</a:t>
             </a:r>
           </a:p>
           <a:p>
@@ -3681,12 +3777,28 @@
               <a:defRPr lang="ko-KR" altLang="en-US"/>
             </a:pPr>
             <a:r>
-              <a:rPr lang="en-US" altLang="ko-KR"/>
+              <a:rPr lang="en-US" altLang="ko-KR" dirty="0"/>
               <a:t>4.</a:t>
             </a:r>
             <a:r>
-              <a:rPr lang="ko-KR" altLang="en-US"/>
-              <a:t> 왜 개인이 선호하는 스타일이 다른가? 답 : 체형과 생김새가 다르기 때문에</a:t>
+              <a:rPr lang="ko-KR" altLang="en-US" dirty="0"/>
+              <a:t> 왜 개인이 선호하는 스타일이 </a:t>
+            </a:r>
+            <a:r>
+              <a:rPr lang="ko-KR" altLang="en-US" dirty="0" err="1"/>
+              <a:t>다른가</a:t>
+            </a:r>
+            <a:r>
+              <a:rPr lang="ko-KR" altLang="en-US" dirty="0"/>
+              <a:t>? </a:t>
+            </a:r>
+            <a:r>
+              <a:rPr lang="en-US" altLang="ko-KR" dirty="0"/>
+              <a:t>	 </a:t>
+            </a:r>
+            <a:r>
+              <a:rPr lang="ko-KR" altLang="en-US" dirty="0"/>
+              <a:t>답 : 체형과 생김새가 다르기 때문에</a:t>
             </a:r>
           </a:p>
           <a:p>
@@ -3694,12 +3806,28 @@
               <a:defRPr lang="ko-KR" altLang="en-US"/>
             </a:pPr>
             <a:r>
-              <a:rPr lang="en-US" altLang="ko-KR"/>
+              <a:rPr lang="en-US" altLang="ko-KR" dirty="0"/>
               <a:t>5.</a:t>
             </a:r>
             <a:r>
-              <a:rPr lang="ko-KR" altLang="en-US"/>
-              <a:t> 왜 체형과 생김새가 다른가?              답 : 선천적인 요인과 삶의 방식이 다르기 때문에</a:t>
+              <a:rPr lang="ko-KR" altLang="en-US" dirty="0"/>
+              <a:t> 왜 체형과 생김새가 </a:t>
+            </a:r>
+            <a:r>
+              <a:rPr lang="ko-KR" altLang="en-US" dirty="0" err="1"/>
+              <a:t>다른가</a:t>
+            </a:r>
+            <a:r>
+              <a:rPr lang="ko-KR" altLang="en-US" dirty="0"/>
+              <a:t>?             </a:t>
+            </a:r>
+            <a:r>
+              <a:rPr lang="en-US" altLang="ko-KR" dirty="0"/>
+              <a:t>	</a:t>
+            </a:r>
+            <a:r>
+              <a:rPr lang="ko-KR" altLang="en-US" dirty="0"/>
+              <a:t> 답 : 선천적인 요인과 삶의 방식이 다르기 때문에</a:t>
             </a:r>
           </a:p>
         </p:txBody>
@@ -3712,7 +3840,7 @@
         </p:nvSpPr>
         <p:spPr>
           <a:xfrm>
-            <a:off x="1104900" y="4876800"/>
+            <a:off x="1120398" y="5264259"/>
             <a:ext cx="9144000" cy="902970"/>
           </a:xfrm>
           <a:prstGeom prst="rect">
@@ -3729,7 +3857,7 @@
               <a:defRPr lang="ko-KR" altLang="en-US"/>
             </a:pPr>
             <a:r>
-              <a:rPr lang="ko-KR" altLang="en-US"/>
+              <a:rPr lang="ko-KR" altLang="en-US" dirty="0"/>
               <a:t>결론</a:t>
             </a:r>
           </a:p>
@@ -3738,8 +3866,16 @@
               <a:defRPr lang="ko-KR" altLang="en-US"/>
             </a:pPr>
             <a:r>
-              <a:rPr lang="ko-KR" altLang="en-US"/>
-              <a:t>- 자신이 선호하는 스타일을 찾기위해 개인의 신체적 조건과 취향에 따라 알맞는 옷을 추천해주자.</a:t>
+              <a:rPr lang="ko-KR" altLang="en-US" dirty="0"/>
+              <a:t>- 자신이 선호하는 스타일을 </a:t>
+            </a:r>
+            <a:r>
+              <a:rPr lang="ko-KR" altLang="en-US" dirty="0" err="1"/>
+              <a:t>찾기위해</a:t>
+            </a:r>
+            <a:r>
+              <a:rPr lang="ko-KR" altLang="en-US" dirty="0"/>
+              <a:t> 개인의 신체적 조건과 취향에 따라 알맞는 옷을 추천해주자.</a:t>
             </a:r>
           </a:p>
         </p:txBody>
@@ -3753,7 +3889,7 @@
     <mc:Choice Requires="p14">
       <p:transition/>
     </mc:Choice>
-    <mc:Fallback xmlns:dsp="http://schemas.microsoft.com/office/drawing/2008/diagram" xmlns:dgm="http://schemas.openxmlformats.org/drawingml/2006/diagram" xmlns:c="http://schemas.openxmlformats.org/drawingml/2006/chart" xmlns="">
+    <mc:Fallback xmlns="" xmlns:c="http://schemas.openxmlformats.org/drawingml/2006/chart" xmlns:dgm="http://schemas.openxmlformats.org/drawingml/2006/diagram" xmlns:dsp="http://schemas.microsoft.com/office/drawing/2008/diagram">
       <p:transition/>
     </mc:Fallback>
   </mc:AlternateContent>
@@ -3789,22 +3925,91 @@
         </p:nvSpPr>
         <p:spPr>
           <a:xfrm>
-            <a:off x="1066799" y="1389887"/>
-            <a:ext cx="9753601" cy="3010662"/>
+            <a:off x="1004806" y="1472338"/>
+            <a:ext cx="9753601" cy="3222678"/>
           </a:xfrm>
         </p:spPr>
         <p:txBody>
           <a:bodyPr>
-            <a:normAutofit fontScale="47500" lnSpcReduction="20000"/>
+            <a:noAutofit/>
           </a:bodyPr>
           <a:lstStyle/>
+          <a:p>
+            <a:pPr marL="0" indent="0">
+              <a:buNone/>
+              <a:defRPr lang="ko-KR" altLang="en-US"/>
+            </a:pPr>
+            <a:r>
+              <a:rPr lang="en-US" altLang="ko-KR" sz="1900" dirty="0"/>
+              <a:t># 3) </a:t>
+            </a:r>
+            <a:r>
+              <a:rPr lang="ko-KR" altLang="en-US" sz="1900" dirty="0"/>
+              <a:t>아이디어 도출</a:t>
+            </a:r>
+            <a:r>
+              <a:rPr lang="en-US" altLang="ko-KR" sz="1900" dirty="0"/>
+              <a:t>: </a:t>
+            </a:r>
+            <a:r>
+              <a:rPr lang="ko-KR" altLang="en-US" sz="1900" dirty="0"/>
+              <a:t>브레인스토밍</a:t>
+            </a:r>
+            <a:endParaRPr lang="en-US" altLang="ko-KR" sz="1900" dirty="0"/>
+          </a:p>
+          <a:p>
+            <a:pPr marL="0" indent="0">
+              <a:buNone/>
+              <a:defRPr lang="ko-KR" altLang="en-US"/>
+            </a:pPr>
+            <a:r>
+              <a:rPr lang="en-US" altLang="ko-KR" sz="1900" dirty="0"/>
+              <a:t># 4) </a:t>
+            </a:r>
+            <a:r>
+              <a:rPr lang="ko-KR" altLang="en-US" sz="1900" dirty="0"/>
+              <a:t>최적해 선정</a:t>
+            </a:r>
+            <a:r>
+              <a:rPr lang="en-US" altLang="ko-KR" sz="1900" dirty="0"/>
+              <a:t>: 2</a:t>
+            </a:r>
+            <a:r>
+              <a:rPr lang="ko-KR" altLang="en-US" sz="1900" dirty="0"/>
+              <a:t>인 비교순위 결정법</a:t>
+            </a:r>
+            <a:endParaRPr lang="en-US" altLang="ko-KR" sz="1900" dirty="0"/>
+          </a:p>
+          <a:p>
+            <a:pPr marL="0" indent="0">
+              <a:buNone/>
+              <a:defRPr lang="ko-KR" altLang="en-US"/>
+            </a:pPr>
+            <a:endParaRPr lang="ko-KR" altLang="en-US" sz="1600" dirty="0"/>
+          </a:p>
           <a:p>
             <a:pPr>
               <a:defRPr lang="ko-KR" altLang="en-US"/>
             </a:pPr>
             <a:r>
-              <a:rPr lang="ko-KR" altLang="en-US" dirty="0"/>
-              <a:t>브레인스토밍</a:t>
+              <a:rPr lang="ko-KR" altLang="en-US" sz="1600" dirty="0"/>
+              <a:t>1. 신체적 조건(</a:t>
+            </a:r>
+            <a:r>
+              <a:rPr lang="en-US" altLang="ko-KR" sz="1600" dirty="0"/>
+              <a:t>EX: </a:t>
+            </a:r>
+            <a:r>
+              <a:rPr lang="ko-KR" altLang="en-US" sz="1600" dirty="0"/>
+              <a:t>사진</a:t>
+            </a:r>
+            <a:r>
+              <a:rPr lang="en-US" altLang="ko-KR" sz="1600" dirty="0"/>
+              <a:t>)</a:t>
+            </a:r>
+            <a:r>
+              <a:rPr lang="ko-KR" altLang="en-US" sz="1600" dirty="0"/>
+              <a:t>을 기입한다.</a:t>
             </a:r>
           </a:p>
           <a:p>
@@ -3812,24 +4017,8 @@
               <a:defRPr lang="ko-KR" altLang="en-US"/>
             </a:pPr>
             <a:r>
-              <a:rPr lang="ko-KR" altLang="en-US" dirty="0"/>
-              <a:t>1. 신체적 조건(</a:t>
-            </a:r>
-            <a:r>
-              <a:rPr lang="en-US" altLang="ko-KR" dirty="0"/>
-              <a:t>EX: </a:t>
-            </a:r>
-            <a:r>
-              <a:rPr lang="ko-KR" altLang="en-US" dirty="0"/>
-              <a:t>사진</a:t>
-            </a:r>
-            <a:r>
-              <a:rPr lang="en-US" altLang="ko-KR" dirty="0"/>
-              <a:t>)</a:t>
-            </a:r>
-            <a:r>
-              <a:rPr lang="ko-KR" altLang="en-US" dirty="0"/>
-              <a:t>을 기입한다.</a:t>
+              <a:rPr lang="ko-KR" altLang="en-US" sz="1600" dirty="0"/>
+              <a:t>2. 설문조사 (색상, 스타일, 직업, 성별, 사는 곳, 나이, 돈, 선호하는 옷 등)</a:t>
             </a:r>
           </a:p>
           <a:p>
@@ -3837,8 +4026,12 @@
               <a:defRPr lang="ko-KR" altLang="en-US"/>
             </a:pPr>
             <a:r>
-              <a:rPr lang="ko-KR" altLang="en-US" dirty="0"/>
-              <a:t>2. 설문조사 (색상, 스타일, 직업, 성별, 사는 곳, 나이, 돈, 선호하는 옷 등)</a:t>
+              <a:rPr lang="en-US" altLang="ko-KR" sz="1600" dirty="0"/>
+              <a:t>3</a:t>
+            </a:r>
+            <a:r>
+              <a:rPr lang="ko-KR" altLang="en-US" sz="1600" dirty="0"/>
+              <a:t>. 원하는 옷에 대한 사이즈 맞춤을 위한 가까운 매장 연결</a:t>
             </a:r>
           </a:p>
           <a:p>
@@ -3846,8 +4039,20 @@
               <a:defRPr lang="ko-KR" altLang="en-US"/>
             </a:pPr>
             <a:r>
-              <a:rPr lang="ko-KR" altLang="en-US" dirty="0"/>
-              <a:t>3. 커스텀 기능</a:t>
+              <a:rPr lang="en-US" altLang="ko-KR" sz="1600" dirty="0"/>
+              <a:t>4</a:t>
+            </a:r>
+            <a:r>
+              <a:rPr lang="ko-KR" altLang="en-US" sz="1600" dirty="0"/>
+              <a:t>. 자신의 얼굴 사진이랑 </a:t>
+            </a:r>
+            <a:r>
+              <a:rPr lang="ko-KR" altLang="en-US" sz="1600" dirty="0" err="1"/>
+              <a:t>옷이랑</a:t>
+            </a:r>
+            <a:r>
+              <a:rPr lang="ko-KR" altLang="en-US" sz="1600" dirty="0"/>
+              <a:t> 매칭시켜서 확인해본다</a:t>
             </a:r>
           </a:p>
           <a:p>
@@ -3855,123 +4060,84 @@
               <a:defRPr lang="ko-KR" altLang="en-US"/>
             </a:pPr>
             <a:r>
-              <a:rPr lang="ko-KR" altLang="en-US" dirty="0"/>
-              <a:t>4. 원하는 옷에 대한 사이즈 맞춤을 위한 가까운 매장 연결</a:t>
-            </a:r>
+              <a:rPr lang="en-US" altLang="ko-KR" sz="1600" dirty="0"/>
+              <a:t>5</a:t>
+            </a:r>
+            <a:r>
+              <a:rPr lang="ko-KR" altLang="en-US" sz="1600" dirty="0"/>
+              <a:t>. 만족도 조사</a:t>
+            </a:r>
+            <a:endParaRPr lang="en-US" altLang="ko-KR" sz="1600" dirty="0"/>
           </a:p>
           <a:p>
             <a:pPr>
               <a:defRPr lang="ko-KR" altLang="en-US"/>
             </a:pPr>
             <a:r>
-              <a:rPr lang="ko-KR" altLang="en-US" dirty="0"/>
-              <a:t>5. 자신의 얼굴 사진이랑 </a:t>
-            </a:r>
-            <a:r>
-              <a:rPr lang="ko-KR" altLang="en-US" dirty="0" err="1"/>
-              <a:t>옷이랑</a:t>
-            </a:r>
-            <a:r>
-              <a:rPr lang="ko-KR" altLang="en-US" dirty="0"/>
-              <a:t> 매칭시켜서 확인해본다</a:t>
-            </a:r>
+              <a:rPr lang="ko-KR" altLang="en-US" sz="1600" strike="sngStrike" dirty="0">
+                <a:solidFill>
+                  <a:srgbClr val="FF0000"/>
+                </a:solidFill>
+              </a:rPr>
+              <a:t> 커스텀 기능</a:t>
+            </a:r>
+            <a:endParaRPr lang="ko-KR" altLang="en-US" sz="1600" dirty="0"/>
           </a:p>
           <a:p>
             <a:pPr>
               <a:defRPr lang="ko-KR" altLang="en-US"/>
             </a:pPr>
             <a:r>
-              <a:rPr lang="ko-KR" altLang="en-US" dirty="0"/>
-              <a:t>6. 만족도 조사</a:t>
-            </a:r>
-          </a:p>
-          <a:p>
-            <a:pPr>
-              <a:defRPr lang="ko-KR" altLang="en-US"/>
-            </a:pPr>
-            <a:r>
-              <a:rPr lang="ko-KR" altLang="en-US" strike="sngStrike" dirty="0">
+              <a:rPr lang="ko-KR" altLang="en-US" sz="1600" strike="sngStrike" dirty="0">
                 <a:solidFill>
                   <a:srgbClr val="FF0000"/>
                 </a:solidFill>
               </a:rPr>
               <a:t>- 선호하는 옷 종류 </a:t>
             </a:r>
-            <a:endParaRPr lang="ko-KR" altLang="en-US" dirty="0"/>
+            <a:endParaRPr lang="ko-KR" altLang="en-US" sz="1600" dirty="0"/>
           </a:p>
           <a:p>
             <a:pPr>
               <a:defRPr lang="ko-KR" altLang="en-US"/>
             </a:pPr>
             <a:r>
-              <a:rPr lang="ko-KR" altLang="en-US" strike="sngStrike" dirty="0">
+              <a:rPr lang="ko-KR" altLang="en-US" sz="1600" strike="sngStrike" dirty="0">
                 <a:solidFill>
                   <a:srgbClr val="FF0000"/>
                 </a:solidFill>
               </a:rPr>
               <a:t>- 가용할 수 있는 돈</a:t>
             </a:r>
-            <a:endParaRPr lang="ko-KR" altLang="en-US" dirty="0"/>
+            <a:endParaRPr lang="ko-KR" altLang="en-US" sz="1600" dirty="0"/>
           </a:p>
           <a:p>
             <a:pPr>
               <a:defRPr lang="ko-KR" altLang="en-US"/>
             </a:pPr>
             <a:r>
-              <a:rPr lang="ko-KR" altLang="en-US" strike="sngStrike" dirty="0">
+              <a:rPr lang="ko-KR" altLang="en-US" sz="1600" strike="sngStrike" dirty="0">
                 <a:solidFill>
                   <a:srgbClr val="FF0000"/>
                 </a:solidFill>
               </a:rPr>
               <a:t>- 구매 후기(리뷰)</a:t>
             </a:r>
-            <a:endParaRPr lang="ko-KR" altLang="en-US" dirty="0"/>
+            <a:endParaRPr lang="ko-KR" altLang="en-US" sz="1600" dirty="0"/>
           </a:p>
           <a:p>
             <a:pPr>
               <a:defRPr lang="ko-KR" altLang="en-US"/>
             </a:pPr>
             <a:r>
-              <a:rPr lang="ko-KR" altLang="en-US" strike="sngStrike" dirty="0">
+              <a:rPr lang="ko-KR" altLang="en-US" sz="1600" strike="sngStrike" dirty="0">
                 <a:solidFill>
                   <a:srgbClr val="FF0000"/>
                 </a:solidFill>
               </a:rPr>
               <a:t>- 사이즈 측정</a:t>
             </a:r>
-            <a:endParaRPr lang="ko-KR" altLang="en-US" dirty="0"/>
-          </a:p>
-        </p:txBody>
-      </p:sp>
-      <p:sp>
-        <p:nvSpPr>
-          <p:cNvPr id="4" name="Holder 2"/>
-          <p:cNvSpPr>
-            <a:spLocks noGrp="1"/>
-          </p:cNvSpPr>
-          <p:nvPr>
-            <p:ph type="title"/>
-          </p:nvPr>
-        </p:nvSpPr>
-        <p:spPr>
-          <a:xfrm>
-            <a:off x="1141272" y="989584"/>
-            <a:ext cx="9680854" cy="296291"/>
-          </a:xfrm>
-        </p:spPr>
-        <p:txBody>
-          <a:bodyPr wrap="square" lIns="0" tIns="0" rIns="0" bIns="0">
-            <a:spAutoFit/>
-          </a:bodyPr>
-          <a:lstStyle/>
-          <a:p>
-            <a:pPr>
-              <a:defRPr lang="ko-KR" altLang="en-US"/>
-            </a:pPr>
-            <a:r>
-              <a:rPr lang="ko-KR" altLang="en-US"/>
-              <a:t>웹 개발 - 나에게 맞는 의류 찾기(가명)</a:t>
-            </a:r>
+            <a:endParaRPr lang="ko-KR" altLang="en-US" sz="1600" dirty="0"/>
           </a:p>
         </p:txBody>
       </p:sp>
@@ -3984,14 +4150,14 @@
           <p:nvPr>
             <p:extLst>
               <p:ext uri="{D42A27DB-BD31-4B8C-83A1-F6EECF244321}">
-                <p14:modId xmlns:p14="http://schemas.microsoft.com/office/powerpoint/2010/main" val="683729570"/>
+                <p14:modId xmlns:p14="http://schemas.microsoft.com/office/powerpoint/2010/main" val="3054144176"/>
               </p:ext>
             </p:extLst>
           </p:nvPr>
         </p:nvGraphicFramePr>
         <p:xfrm>
-          <a:off x="3073167" y="3102609"/>
-          <a:ext cx="8133080" cy="2595880"/>
+          <a:off x="4225097" y="4075020"/>
+          <a:ext cx="7117080" cy="2225040"/>
         </p:xfrm>
         <a:graphic>
           <a:graphicData uri="http://schemas.openxmlformats.org/drawingml/2006/table">
@@ -4030,13 +4196,6 @@
                   <a:extLst>
                     <a:ext uri="{9D8B030D-6E8A-4147-A177-3AD203B41FA5}">
                       <a16:colId xmlns:a16="http://schemas.microsoft.com/office/drawing/2014/main" val="20004"/>
-                    </a:ext>
-                  </a:extLst>
-                </a:gridCol>
-                <a:gridCol w="1016000">
-                  <a:extLst>
-                    <a:ext uri="{9D8B030D-6E8A-4147-A177-3AD203B41FA5}">
-                      <a16:colId xmlns:a16="http://schemas.microsoft.com/office/drawing/2014/main" val="20005"/>
                     </a:ext>
                   </a:extLst>
                 </a:gridCol>
@@ -4097,9 +4256,10 @@
                         <a:defRPr lang="ko-KR" altLang="en-US"/>
                       </a:pPr>
                       <a:r>
-                        <a:rPr lang="ko-KR" altLang="en-US" sz="1500"/>
+                        <a:rPr lang="en-US" altLang="ko-KR" sz="1500" dirty="0"/>
                         <a:t>3</a:t>
                       </a:r>
+                      <a:endParaRPr lang="ko-KR" altLang="en-US" sz="1500" dirty="0"/>
                     </a:p>
                   </a:txBody>
                   <a:tcPr/>
@@ -4113,9 +4273,10 @@
                         <a:defRPr lang="ko-KR" altLang="en-US"/>
                       </a:pPr>
                       <a:r>
-                        <a:rPr lang="ko-KR" altLang="en-US" sz="1500"/>
+                        <a:rPr lang="en-US" altLang="ko-KR" sz="1500" dirty="0"/>
                         <a:t>4</a:t>
                       </a:r>
+                      <a:endParaRPr lang="ko-KR" altLang="en-US" sz="1500" dirty="0"/>
                     </a:p>
                   </a:txBody>
                   <a:tcPr/>
@@ -4129,7 +4290,7 @@
                         <a:defRPr lang="ko-KR" altLang="en-US"/>
                       </a:pPr>
                       <a:r>
-                        <a:rPr lang="ko-KR" altLang="en-US" sz="1500"/>
+                        <a:rPr lang="ko-KR" altLang="en-US" sz="1500" dirty="0"/>
                         <a:t>5</a:t>
                       </a:r>
                     </a:p>
@@ -4145,23 +4306,7 @@
                         <a:defRPr lang="ko-KR" altLang="en-US"/>
                       </a:pPr>
                       <a:r>
-                        <a:rPr lang="ko-KR" altLang="en-US" sz="1500"/>
-                        <a:t>6</a:t>
-                      </a:r>
-                    </a:p>
-                  </a:txBody>
-                  <a:tcPr/>
-                </a:tc>
-                <a:tc>
-                  <a:txBody>
-                    <a:bodyPr/>
-                    <a:lstStyle/>
-                    <a:p>
-                      <a:pPr>
-                        <a:defRPr lang="ko-KR" altLang="en-US"/>
-                      </a:pPr>
-                      <a:r>
-                        <a:rPr lang="ko-KR" altLang="en-US" sz="1500"/>
+                        <a:rPr lang="ko-KR" altLang="en-US" sz="1500" dirty="0"/>
                         <a:t>투표수</a:t>
                       </a:r>
                     </a:p>
@@ -4232,9 +4377,27 @@
                         <a:defRPr lang="ko-KR" altLang="en-US"/>
                       </a:pPr>
                       <a:r>
-                        <a:rPr lang="ko-KR" altLang="en-US" sz="1500"/>
+                        <a:rPr lang="en-US" altLang="ko-KR" sz="1500" dirty="0"/>
                         <a:t>1</a:t>
                       </a:r>
+                      <a:endParaRPr lang="ko-KR" altLang="en-US" sz="1500" dirty="0"/>
+                    </a:p>
+                  </a:txBody>
+                  <a:tcPr/>
+                </a:tc>
+                <a:tc>
+                  <a:txBody>
+                    <a:bodyPr/>
+                    <a:lstStyle/>
+                    <a:p>
+                      <a:pPr>
+                        <a:defRPr lang="ko-KR" altLang="en-US"/>
+                      </a:pPr>
+                      <a:r>
+                        <a:rPr lang="en-US" altLang="ko-KR" sz="1500" dirty="0"/>
+                        <a:t>1</a:t>
+                      </a:r>
+                      <a:endParaRPr lang="ko-KR" altLang="en-US" sz="1500" dirty="0"/>
                     </a:p>
                   </a:txBody>
                   <a:tcPr/>
@@ -4264,9 +4427,10 @@
                         <a:defRPr lang="ko-KR" altLang="en-US"/>
                       </a:pPr>
                       <a:r>
-                        <a:rPr lang="ko-KR" altLang="en-US" sz="1500"/>
-                        <a:t>1</a:t>
+                        <a:rPr lang="en-US" altLang="ko-KR" sz="1500" dirty="0"/>
+                        <a:t>3</a:t>
                       </a:r>
+                      <a:endParaRPr lang="ko-KR" altLang="en-US" sz="1500" dirty="0"/>
                     </a:p>
                   </a:txBody>
                   <a:tcPr/>
@@ -4280,39 +4444,7 @@
                         <a:defRPr lang="ko-KR" altLang="en-US"/>
                       </a:pPr>
                       <a:r>
-                        <a:rPr lang="ko-KR" altLang="en-US" sz="1500"/>
-                        <a:t>1</a:t>
-                      </a:r>
-                    </a:p>
-                  </a:txBody>
-                  <a:tcPr/>
-                </a:tc>
-                <a:tc>
-                  <a:txBody>
-                    <a:bodyPr/>
-                    <a:lstStyle/>
-                    <a:p>
-                      <a:pPr>
-                        <a:defRPr lang="ko-KR" altLang="en-US"/>
-                      </a:pPr>
-                      <a:r>
-                        <a:rPr lang="ko-KR" altLang="en-US" sz="1500"/>
-                        <a:t>4</a:t>
-                      </a:r>
-                    </a:p>
-                  </a:txBody>
-                  <a:tcPr/>
-                </a:tc>
-                <a:tc>
-                  <a:txBody>
-                    <a:bodyPr/>
-                    <a:lstStyle/>
-                    <a:p>
-                      <a:pPr>
-                        <a:defRPr lang="ko-KR" altLang="en-US"/>
-                      </a:pPr>
-                      <a:r>
-                        <a:rPr lang="ko-KR" altLang="en-US" sz="1500"/>
+                        <a:rPr lang="ko-KR" altLang="en-US" sz="1500" dirty="0"/>
                         <a:t>2</a:t>
                       </a:r>
                     </a:p>
@@ -4379,9 +4511,27 @@
                         <a:defRPr lang="ko-KR" altLang="en-US"/>
                       </a:pPr>
                       <a:r>
-                        <a:rPr lang="ko-KR" altLang="en-US" sz="1500"/>
+                        <a:rPr lang="en-US" altLang="ko-KR" sz="1500" dirty="0"/>
                         <a:t>2</a:t>
                       </a:r>
+                      <a:endParaRPr lang="ko-KR" altLang="en-US" sz="1500" dirty="0"/>
+                    </a:p>
+                  </a:txBody>
+                  <a:tcPr/>
+                </a:tc>
+                <a:tc>
+                  <a:txBody>
+                    <a:bodyPr/>
+                    <a:lstStyle/>
+                    <a:p>
+                      <a:pPr>
+                        <a:defRPr lang="ko-KR" altLang="en-US"/>
+                      </a:pPr>
+                      <a:r>
+                        <a:rPr lang="en-US" altLang="ko-KR" sz="1500" dirty="0"/>
+                        <a:t>2</a:t>
+                      </a:r>
+                      <a:endParaRPr lang="ko-KR" altLang="en-US" sz="1500" dirty="0"/>
                     </a:p>
                   </a:txBody>
                   <a:tcPr/>
@@ -4411,9 +4561,10 @@
                         <a:defRPr lang="ko-KR" altLang="en-US"/>
                       </a:pPr>
                       <a:r>
-                        <a:rPr lang="ko-KR" altLang="en-US" sz="1500"/>
-                        <a:t>2</a:t>
+                        <a:rPr lang="en-US" altLang="ko-KR" sz="1500" dirty="0"/>
+                        <a:t>4</a:t>
                       </a:r>
+                      <a:endParaRPr lang="ko-KR" altLang="en-US" sz="1500" dirty="0"/>
                     </a:p>
                   </a:txBody>
                   <a:tcPr/>
@@ -4427,39 +4578,7 @@
                         <a:defRPr lang="ko-KR" altLang="en-US"/>
                       </a:pPr>
                       <a:r>
-                        <a:rPr lang="ko-KR" altLang="en-US" sz="1500"/>
-                        <a:t>2</a:t>
-                      </a:r>
-                    </a:p>
-                  </a:txBody>
-                  <a:tcPr/>
-                </a:tc>
-                <a:tc>
-                  <a:txBody>
-                    <a:bodyPr/>
-                    <a:lstStyle/>
-                    <a:p>
-                      <a:pPr>
-                        <a:defRPr lang="ko-KR" altLang="en-US"/>
-                      </a:pPr>
-                      <a:r>
-                        <a:rPr lang="ko-KR" altLang="en-US" sz="1500"/>
-                        <a:t>5</a:t>
-                      </a:r>
-                    </a:p>
-                  </a:txBody>
-                  <a:tcPr/>
-                </a:tc>
-                <a:tc>
-                  <a:txBody>
-                    <a:bodyPr/>
-                    <a:lstStyle/>
-                    <a:p>
-                      <a:pPr>
-                        <a:defRPr lang="ko-KR" altLang="en-US"/>
-                      </a:pPr>
-                      <a:r>
-                        <a:rPr lang="ko-KR" altLang="en-US" sz="1500"/>
+                        <a:rPr lang="ko-KR" altLang="en-US" sz="1500" dirty="0"/>
                         <a:t>1</a:t>
                       </a:r>
                     </a:p>
@@ -4482,7 +4601,7 @@
                         <a:defRPr lang="ko-KR" altLang="en-US"/>
                       </a:pPr>
                       <a:r>
-                        <a:rPr lang="ko-KR" altLang="en-US" sz="1500"/>
+                        <a:rPr lang="ko-KR" altLang="en-US" sz="1500" dirty="0"/>
                         <a:t>3</a:t>
                       </a:r>
                     </a:p>
@@ -4497,7 +4616,7 @@
                       <a:pPr>
                         <a:defRPr lang="ko-KR" altLang="en-US"/>
                       </a:pPr>
-                      <a:endParaRPr lang="ko-KR" altLang="en-US" sz="1500"/>
+                      <a:endParaRPr lang="ko-KR" altLang="en-US" sz="1500" dirty="0"/>
                     </a:p>
                   </a:txBody>
                   <a:tcPr>
@@ -4525,7 +4644,7 @@
                       <a:pPr>
                         <a:defRPr lang="ko-KR" altLang="en-US"/>
                       </a:pPr>
-                      <a:endParaRPr lang="ko-KR" altLang="en-US" sz="1500"/>
+                      <a:endParaRPr lang="ko-KR" altLang="en-US" sz="1500" dirty="0"/>
                     </a:p>
                   </a:txBody>
                   <a:tcPr>
@@ -4554,9 +4673,10 @@
                         <a:defRPr lang="ko-KR" altLang="en-US"/>
                       </a:pPr>
                       <a:r>
-                        <a:rPr lang="ko-KR" altLang="en-US" sz="1500"/>
+                        <a:rPr lang="en-US" altLang="ko-KR" sz="1500" dirty="0"/>
                         <a:t>4</a:t>
                       </a:r>
+                      <a:endParaRPr lang="ko-KR" altLang="en-US" sz="1500" dirty="0"/>
                     </a:p>
                   </a:txBody>
                   <a:tcPr/>
@@ -4570,9 +4690,10 @@
                         <a:defRPr lang="ko-KR" altLang="en-US"/>
                       </a:pPr>
                       <a:r>
-                        <a:rPr lang="ko-KR" altLang="en-US" sz="1500"/>
-                        <a:t>5</a:t>
+                        <a:rPr lang="en-US" altLang="ko-KR" sz="1500" dirty="0"/>
+                        <a:t>3</a:t>
                       </a:r>
+                      <a:endParaRPr lang="ko-KR" altLang="en-US" sz="1500" dirty="0"/>
                     </a:p>
                   </a:txBody>
                   <a:tcPr/>
@@ -4586,23 +4707,7 @@
                         <a:defRPr lang="ko-KR" altLang="en-US"/>
                       </a:pPr>
                       <a:r>
-                        <a:rPr lang="ko-KR" altLang="en-US" sz="1500"/>
-                        <a:t>3</a:t>
-                      </a:r>
-                    </a:p>
-                  </a:txBody>
-                  <a:tcPr/>
-                </a:tc>
-                <a:tc>
-                  <a:txBody>
-                    <a:bodyPr/>
-                    <a:lstStyle/>
-                    <a:p>
-                      <a:pPr>
-                        <a:defRPr lang="ko-KR" altLang="en-US"/>
-                      </a:pPr>
-                      <a:r>
-                        <a:rPr lang="ko-KR" altLang="en-US" sz="1500"/>
+                        <a:rPr lang="ko-KR" altLang="en-US" sz="1500" dirty="0"/>
                         <a:t>1</a:t>
                       </a:r>
                     </a:p>
@@ -4618,9 +4723,10 @@
                         <a:defRPr lang="ko-KR" altLang="en-US"/>
                       </a:pPr>
                       <a:r>
-                        <a:rPr lang="ko-KR" altLang="en-US" sz="1500"/>
-                        <a:t>5</a:t>
+                        <a:rPr lang="en-US" altLang="ko-KR" sz="1500" dirty="0"/>
+                        <a:t>4</a:t>
                       </a:r>
+                      <a:endParaRPr lang="ko-KR" altLang="en-US" sz="1500" dirty="0"/>
                     </a:p>
                   </a:txBody>
                   <a:tcPr/>
@@ -4712,7 +4818,7 @@
                       <a:pPr>
                         <a:defRPr lang="ko-KR" altLang="en-US"/>
                       </a:pPr>
-                      <a:endParaRPr lang="ko-KR" altLang="en-US" sz="1500"/>
+                      <a:endParaRPr lang="ko-KR" altLang="en-US" sz="1500" dirty="0"/>
                     </a:p>
                   </a:txBody>
                   <a:tcPr>
@@ -4741,9 +4847,10 @@
                         <a:defRPr lang="ko-KR" altLang="en-US"/>
                       </a:pPr>
                       <a:r>
-                        <a:rPr lang="ko-KR" altLang="en-US" sz="1500"/>
-                        <a:t>5</a:t>
+                        <a:rPr lang="en-US" altLang="ko-KR" sz="1500" dirty="0"/>
+                        <a:t>4</a:t>
                       </a:r>
+                      <a:endParaRPr lang="ko-KR" altLang="en-US" sz="1500" dirty="0"/>
                     </a:p>
                   </a:txBody>
                   <a:tcPr/>
@@ -4757,23 +4864,7 @@
                         <a:defRPr lang="ko-KR" altLang="en-US"/>
                       </a:pPr>
                       <a:r>
-                        <a:rPr lang="ko-KR" altLang="en-US" sz="1500"/>
-                        <a:t>4</a:t>
-                      </a:r>
-                    </a:p>
-                  </a:txBody>
-                  <a:tcPr/>
-                </a:tc>
-                <a:tc>
-                  <a:txBody>
-                    <a:bodyPr/>
-                    <a:lstStyle/>
-                    <a:p>
-                      <a:pPr>
-                        <a:defRPr lang="ko-KR" altLang="en-US"/>
-                      </a:pPr>
-                      <a:r>
-                        <a:rPr lang="ko-KR" altLang="en-US" sz="1500"/>
+                        <a:rPr lang="ko-KR" altLang="en-US" sz="1500" dirty="0"/>
                         <a:t>2</a:t>
                       </a:r>
                     </a:p>
@@ -4789,9 +4880,10 @@
                         <a:defRPr lang="ko-KR" altLang="en-US"/>
                       </a:pPr>
                       <a:r>
-                        <a:rPr lang="ko-KR" altLang="en-US" sz="1500"/>
-                        <a:t>4</a:t>
+                        <a:rPr lang="en-US" altLang="ko-KR" sz="1500" dirty="0"/>
+                        <a:t>3</a:t>
                       </a:r>
+                      <a:endParaRPr lang="ko-KR" altLang="en-US" sz="1500" dirty="0"/>
                     </a:p>
                   </a:txBody>
                   <a:tcPr/>
@@ -4940,9 +5032,10 @@
                         <a:defRPr lang="ko-KR" altLang="en-US"/>
                       </a:pPr>
                       <a:r>
-                        <a:rPr lang="ko-KR" altLang="en-US" sz="1500"/>
-                        <a:t>5</a:t>
+                        <a:rPr lang="en-US" altLang="ko-KR" sz="1500" dirty="0"/>
+                        <a:t>0</a:t>
                       </a:r>
+                      <a:endParaRPr lang="ko-KR" altLang="en-US" sz="1500" dirty="0"/>
                     </a:p>
                   </a:txBody>
                   <a:tcPr/>
@@ -4956,25 +5049,10 @@
                         <a:defRPr lang="ko-KR" altLang="en-US"/>
                       </a:pPr>
                       <a:r>
-                        <a:rPr lang="ko-KR" altLang="en-US" sz="1500"/>
-                        <a:t>3</a:t>
+                        <a:rPr lang="en-US" altLang="ko-KR" sz="1500" dirty="0"/>
+                        <a:t>5</a:t>
                       </a:r>
-                    </a:p>
-                  </a:txBody>
-                  <a:tcPr/>
-                </a:tc>
-                <a:tc>
-                  <a:txBody>
-                    <a:bodyPr/>
-                    <a:lstStyle/>
-                    <a:p>
-                      <a:pPr>
-                        <a:defRPr lang="ko-KR" altLang="en-US"/>
-                      </a:pPr>
-                      <a:r>
-                        <a:rPr lang="ko-KR" altLang="en-US" sz="1500"/>
-                        <a:t>3</a:t>
-                      </a:r>
+                      <a:endParaRPr lang="ko-KR" altLang="en-US" sz="1500" dirty="0"/>
                     </a:p>
                   </a:txBody>
                   <a:tcPr/>
@@ -4985,205 +5063,68 @@
                   </a:ext>
                 </a:extLst>
               </a:tr>
-              <a:tr h="370840">
-                <a:tc>
-                  <a:txBody>
-                    <a:bodyPr/>
-                    <a:lstStyle/>
-                    <a:p>
-                      <a:pPr>
-                        <a:defRPr lang="ko-KR" altLang="en-US"/>
-                      </a:pPr>
-                      <a:r>
-                        <a:rPr lang="ko-KR" altLang="en-US" sz="1500"/>
-                        <a:t>6</a:t>
-                      </a:r>
-                    </a:p>
-                  </a:txBody>
-                  <a:tcPr/>
-                </a:tc>
-                <a:tc>
-                  <a:txBody>
-                    <a:bodyPr/>
-                    <a:lstStyle/>
-                    <a:p>
-                      <a:pPr>
-                        <a:defRPr lang="ko-KR" altLang="en-US"/>
-                      </a:pPr>
-                      <a:endParaRPr lang="ko-KR" altLang="en-US" sz="1500"/>
-                    </a:p>
-                  </a:txBody>
-                  <a:tcPr>
-                    <a:lnTlToBr w="12700" cap="flat" cmpd="sng" algn="ctr">
-                      <a:solidFill>
-                        <a:schemeClr val="tx1"/>
-                      </a:solidFill>
-                      <a:prstDash val="solid"/>
-                      <a:round/>
-                    </a:lnTlToBr>
-                    <a:lnBlToTr w="12700" cap="flat" cmpd="sng" algn="ctr">
-                      <a:solidFill>
-                        <a:schemeClr val="tx1"/>
-                      </a:solidFill>
-                      <a:prstDash val="solid"/>
-                      <a:round/>
-                    </a:lnBlToTr>
-                  </a:tcPr>
-                </a:tc>
-                <a:tc>
-                  <a:txBody>
-                    <a:bodyPr/>
-                    <a:lstStyle/>
-                    <a:p>
-                      <a:pPr>
-                        <a:defRPr lang="ko-KR" altLang="en-US"/>
-                      </a:pPr>
-                      <a:endParaRPr lang="ko-KR" altLang="en-US" sz="1500"/>
-                    </a:p>
-                  </a:txBody>
-                  <a:tcPr>
-                    <a:lnTlToBr w="12700" cap="flat" cmpd="sng" algn="ctr">
-                      <a:solidFill>
-                        <a:schemeClr val="tx1"/>
-                      </a:solidFill>
-                      <a:prstDash val="solid"/>
-                      <a:round/>
-                    </a:lnTlToBr>
-                    <a:lnBlToTr w="12700" cap="flat" cmpd="sng" algn="ctr">
-                      <a:solidFill>
-                        <a:schemeClr val="tx1"/>
-                      </a:solidFill>
-                      <a:prstDash val="solid"/>
-                      <a:round/>
-                    </a:lnBlToTr>
-                  </a:tcPr>
-                </a:tc>
-                <a:tc>
-                  <a:txBody>
-                    <a:bodyPr/>
-                    <a:lstStyle/>
-                    <a:p>
-                      <a:pPr>
-                        <a:defRPr lang="ko-KR" altLang="en-US"/>
-                      </a:pPr>
-                      <a:endParaRPr lang="ko-KR" altLang="en-US" sz="1500"/>
-                    </a:p>
-                  </a:txBody>
-                  <a:tcPr>
-                    <a:lnTlToBr w="12700" cap="flat" cmpd="sng" algn="ctr">
-                      <a:solidFill>
-                        <a:schemeClr val="tx1"/>
-                      </a:solidFill>
-                      <a:prstDash val="solid"/>
-                      <a:round/>
-                    </a:lnTlToBr>
-                    <a:lnBlToTr w="12700" cap="flat" cmpd="sng" algn="ctr">
-                      <a:solidFill>
-                        <a:schemeClr val="tx1"/>
-                      </a:solidFill>
-                      <a:prstDash val="solid"/>
-                      <a:round/>
-                    </a:lnBlToTr>
-                  </a:tcPr>
-                </a:tc>
-                <a:tc>
-                  <a:txBody>
-                    <a:bodyPr/>
-                    <a:lstStyle/>
-                    <a:p>
-                      <a:pPr>
-                        <a:defRPr lang="ko-KR" altLang="en-US"/>
-                      </a:pPr>
-                      <a:endParaRPr lang="ko-KR" altLang="en-US" sz="1500"/>
-                    </a:p>
-                  </a:txBody>
-                  <a:tcPr>
-                    <a:lnTlToBr w="12700" cap="flat" cmpd="sng" algn="ctr">
-                      <a:solidFill>
-                        <a:schemeClr val="tx1"/>
-                      </a:solidFill>
-                      <a:prstDash val="solid"/>
-                      <a:round/>
-                    </a:lnTlToBr>
-                    <a:lnBlToTr w="12700" cap="flat" cmpd="sng" algn="ctr">
-                      <a:solidFill>
-                        <a:schemeClr val="tx1"/>
-                      </a:solidFill>
-                      <a:prstDash val="solid"/>
-                      <a:round/>
-                    </a:lnBlToTr>
-                  </a:tcPr>
-                </a:tc>
-                <a:tc>
-                  <a:txBody>
-                    <a:bodyPr/>
-                    <a:lstStyle/>
-                    <a:p>
-                      <a:pPr>
-                        <a:defRPr lang="ko-KR" altLang="en-US"/>
-                      </a:pPr>
-                      <a:endParaRPr lang="ko-KR" altLang="en-US" sz="1500"/>
-                    </a:p>
-                  </a:txBody>
-                  <a:tcPr>
-                    <a:lnTlToBr w="12700" cap="flat" cmpd="sng" algn="ctr">
-                      <a:solidFill>
-                        <a:schemeClr val="tx1"/>
-                      </a:solidFill>
-                      <a:prstDash val="solid"/>
-                      <a:round/>
-                    </a:lnTlToBr>
-                    <a:lnBlToTr w="12700" cap="flat" cmpd="sng" algn="ctr">
-                      <a:solidFill>
-                        <a:schemeClr val="tx1"/>
-                      </a:solidFill>
-                      <a:prstDash val="solid"/>
-                      <a:round/>
-                    </a:lnBlToTr>
-                  </a:tcPr>
-                </a:tc>
-                <a:tc>
-                  <a:txBody>
-                    <a:bodyPr/>
-                    <a:lstStyle/>
-                    <a:p>
-                      <a:pPr>
-                        <a:defRPr lang="ko-KR" altLang="en-US"/>
-                      </a:pPr>
-                      <a:r>
-                        <a:rPr lang="ko-KR" altLang="en-US" sz="1500"/>
-                        <a:t>0</a:t>
-                      </a:r>
-                    </a:p>
-                  </a:txBody>
-                  <a:tcPr/>
-                </a:tc>
-                <a:tc>
-                  <a:txBody>
-                    <a:bodyPr/>
-                    <a:lstStyle/>
-                    <a:p>
-                      <a:pPr>
-                        <a:defRPr lang="ko-KR" altLang="en-US"/>
-                      </a:pPr>
-                      <a:r>
-                        <a:rPr lang="ko-KR" altLang="en-US" sz="1500" dirty="0"/>
-                        <a:t>6</a:t>
-                      </a:r>
-                    </a:p>
-                  </a:txBody>
-                  <a:tcPr/>
-                </a:tc>
-                <a:extLst>
-                  <a:ext uri="{0D108BD9-81ED-4DB2-BD59-A6C34878D82A}">
-                    <a16:rowId xmlns:a16="http://schemas.microsoft.com/office/drawing/2014/main" val="10006"/>
-                  </a:ext>
-                </a:extLst>
-              </a:tr>
             </a:tbl>
           </a:graphicData>
         </a:graphic>
       </p:graphicFrame>
+      <p:sp>
+        <p:nvSpPr>
+          <p:cNvPr id="7" name="Holder 2">
+            <a:extLst>
+              <a:ext uri="{FF2B5EF4-FFF2-40B4-BE49-F238E27FC236}">
+                <a16:creationId xmlns:a16="http://schemas.microsoft.com/office/drawing/2014/main" id="{9CFACBB9-CE64-45D7-8532-DE89706C5561}"/>
+              </a:ext>
+            </a:extLst>
+          </p:cNvPr>
+          <p:cNvSpPr txBox="1">
+            <a:spLocks/>
+          </p:cNvSpPr>
+          <p:nvPr/>
+        </p:nvSpPr>
+        <p:spPr>
+          <a:xfrm>
+            <a:off x="1141272" y="557940"/>
+            <a:ext cx="9680854" cy="727936"/>
+          </a:xfrm>
+          <a:prstGeom prst="rect">
+            <a:avLst/>
+          </a:prstGeom>
+        </p:spPr>
+        <p:txBody>
+          <a:bodyPr vert="horz" lIns="91440" tIns="45720" rIns="91440" bIns="45720" rtlCol="0" anchor="ctr">
+            <a:normAutofit/>
+          </a:bodyPr>
+          <a:lstStyle>
+            <a:lvl1pPr algn="l" defTabSz="914400" rtl="0" eaLnBrk="1" latinLnBrk="1" hangingPunct="1">
+              <a:lnSpc>
+                <a:spcPct val="90000"/>
+              </a:lnSpc>
+              <a:spcBef>
+                <a:spcPct val="0"/>
+              </a:spcBef>
+              <a:buNone/>
+              <a:defRPr sz="4400" kern="1200">
+                <a:solidFill>
+                  <a:schemeClr val="tx1"/>
+                </a:solidFill>
+                <a:latin typeface="+mj-lt"/>
+                <a:ea typeface="+mj-ea"/>
+                <a:cs typeface="+mj-cs"/>
+              </a:defRPr>
+            </a:lvl1pPr>
+          </a:lstStyle>
+          <a:p>
+            <a:pPr>
+              <a:defRPr lang="ko-KR" altLang="en-US"/>
+            </a:pPr>
+            <a:r>
+              <a:rPr lang="ko-KR" altLang="en-US"/>
+              <a:t>웹 개발 - 나에게 맞는 의류 찾기(가명)</a:t>
+            </a:r>
+            <a:endParaRPr lang="ko-KR" altLang="en-US" dirty="0"/>
+          </a:p>
+        </p:txBody>
+      </p:sp>
     </p:spTree>
   </p:cSld>
   <p:clrMapOvr>
@@ -5193,7 +5134,7 @@
     <mc:Choice Requires="p14">
       <p:transition/>
     </mc:Choice>
-    <mc:Fallback xmlns:dsp="http://schemas.microsoft.com/office/drawing/2008/diagram" xmlns:dgm="http://schemas.openxmlformats.org/drawingml/2006/diagram" xmlns:c="http://schemas.openxmlformats.org/drawingml/2006/chart" xmlns="">
+    <mc:Fallback xmlns="" xmlns:c="http://schemas.openxmlformats.org/drawingml/2006/chart" xmlns:dgm="http://schemas.openxmlformats.org/drawingml/2006/diagram" xmlns:dsp="http://schemas.microsoft.com/office/drawing/2008/diagram">
       <p:transition/>
     </mc:Fallback>
   </mc:AlternateContent>

--- a/공학설계입문__웹_아이디어.pptx
+++ b/공학설계입문__웹_아이디어.pptx
@@ -8,6 +8,7 @@
     <p:sldId id="256" r:id="rId2"/>
     <p:sldId id="259" r:id="rId3"/>
     <p:sldId id="260" r:id="rId4"/>
+    <p:sldId id="261" r:id="rId5"/>
   </p:sldIdLst>
   <p:sldSz cx="12192000" cy="6858000"/>
   <p:notesSz cx="6858000" cy="9144000"/>
@@ -3889,7 +3890,7 @@
     <mc:Choice Requires="p14">
       <p:transition/>
     </mc:Choice>
-    <mc:Fallback xmlns="" xmlns:c="http://schemas.openxmlformats.org/drawingml/2006/chart" xmlns:dgm="http://schemas.openxmlformats.org/drawingml/2006/diagram" xmlns:dsp="http://schemas.microsoft.com/office/drawing/2008/diagram">
+    <mc:Fallback xmlns:dsp="http://schemas.microsoft.com/office/drawing/2008/diagram" xmlns:dgm="http://schemas.openxmlformats.org/drawingml/2006/diagram" xmlns:c="http://schemas.openxmlformats.org/drawingml/2006/chart" xmlns="">
       <p:transition/>
     </mc:Fallback>
   </mc:AlternateContent>
@@ -5134,10 +5135,584 @@
     <mc:Choice Requires="p14">
       <p:transition/>
     </mc:Choice>
-    <mc:Fallback xmlns="" xmlns:c="http://schemas.openxmlformats.org/drawingml/2006/chart" xmlns:dgm="http://schemas.openxmlformats.org/drawingml/2006/diagram" xmlns:dsp="http://schemas.microsoft.com/office/drawing/2008/diagram">
+    <mc:Fallback xmlns:dsp="http://schemas.microsoft.com/office/drawing/2008/diagram" xmlns:dgm="http://schemas.openxmlformats.org/drawingml/2006/diagram" xmlns:c="http://schemas.openxmlformats.org/drawingml/2006/chart" xmlns="">
       <p:transition/>
     </mc:Fallback>
   </mc:AlternateContent>
+</p:sld>
+</file>
+
+<file path=ppt/slides/slide4.xml><?xml version="1.0" encoding="utf-8"?>
+<p:sld xmlns:a="http://schemas.openxmlformats.org/drawingml/2006/main" xmlns:r="http://schemas.openxmlformats.org/officeDocument/2006/relationships" xmlns:p="http://schemas.openxmlformats.org/presentationml/2006/main">
+  <p:cSld>
+    <p:spTree>
+      <p:nvGrpSpPr>
+        <p:cNvPr id="1" name=""/>
+        <p:cNvGrpSpPr/>
+        <p:nvPr/>
+      </p:nvGrpSpPr>
+      <p:grpSpPr>
+        <a:xfrm>
+          <a:off x="0" y="0"/>
+          <a:ext cx="0" cy="0"/>
+          <a:chOff x="0" y="0"/>
+          <a:chExt cx="0" cy="0"/>
+        </a:xfrm>
+      </p:grpSpPr>
+      <p:sp>
+        <p:nvSpPr>
+          <p:cNvPr id="3" name="내용 개체 틀 2">
+            <a:extLst>
+              <a:ext uri="{FF2B5EF4-FFF2-40B4-BE49-F238E27FC236}">
+                <a16:creationId xmlns:a16="http://schemas.microsoft.com/office/drawing/2014/main" id="{25EBD72A-6794-4795-9AFA-050DBF382B51}"/>
+              </a:ext>
+            </a:extLst>
+          </p:cNvPr>
+          <p:cNvSpPr>
+            <a:spLocks noGrp="1"/>
+          </p:cNvSpPr>
+          <p:nvPr>
+            <p:ph idx="1"/>
+          </p:nvPr>
+        </p:nvSpPr>
+        <p:spPr>
+          <a:xfrm>
+            <a:off x="838200" y="1686140"/>
+            <a:ext cx="10515600" cy="4351338"/>
+          </a:xfrm>
+        </p:spPr>
+        <p:txBody>
+          <a:bodyPr>
+            <a:normAutofit fontScale="92500" lnSpcReduction="10000"/>
+          </a:bodyPr>
+          <a:lstStyle/>
+          <a:p>
+            <a:pPr marL="0" indent="0" algn="just" latinLnBrk="1">
+              <a:lnSpc>
+                <a:spcPct val="107000"/>
+              </a:lnSpc>
+              <a:spcAft>
+                <a:spcPts val="800"/>
+              </a:spcAft>
+              <a:buNone/>
+            </a:pPr>
+            <a:r>
+              <a:rPr lang="en-US" altLang="ko-KR" sz="1800" kern="100" dirty="0">
+                <a:effectLst/>
+                <a:latin typeface="맑은 고딕" panose="020B0503020000020004" pitchFamily="50" charset="-127"/>
+                <a:ea typeface="맑은 고딕" panose="020B0503020000020004" pitchFamily="50" charset="-127"/>
+                <a:cs typeface="Times New Roman" panose="02020603050405020304" pitchFamily="18" charset="0"/>
+              </a:rPr>
+              <a:t># </a:t>
+            </a:r>
+            <a:r>
+              <a:rPr lang="ko-KR" altLang="ko-KR" sz="1800" kern="100" dirty="0">
+                <a:effectLst/>
+                <a:latin typeface="맑은 고딕" panose="020B0503020000020004" pitchFamily="50" charset="-127"/>
+                <a:ea typeface="맑은 고딕" panose="020B0503020000020004" pitchFamily="50" charset="-127"/>
+                <a:cs typeface="Times New Roman" panose="02020603050405020304" pitchFamily="18" charset="0"/>
+              </a:rPr>
+              <a:t>기존의 기능</a:t>
+            </a:r>
+            <a:r>
+              <a:rPr lang="en-US" altLang="ko-KR" sz="1800" kern="100" dirty="0">
+                <a:effectLst/>
+                <a:latin typeface="맑은 고딕" panose="020B0503020000020004" pitchFamily="50" charset="-127"/>
+                <a:ea typeface="맑은 고딕" panose="020B0503020000020004" pitchFamily="50" charset="-127"/>
+                <a:cs typeface="Times New Roman" panose="02020603050405020304" pitchFamily="18" charset="0"/>
+              </a:rPr>
+              <a:t>(</a:t>
+            </a:r>
+            <a:r>
+              <a:rPr lang="ko-KR" altLang="ko-KR" sz="1800" kern="100" dirty="0" err="1">
+                <a:effectLst/>
+                <a:latin typeface="맑은 고딕" panose="020B0503020000020004" pitchFamily="50" charset="-127"/>
+                <a:ea typeface="맑은 고딕" panose="020B0503020000020004" pitchFamily="50" charset="-127"/>
+                <a:cs typeface="Times New Roman" panose="02020603050405020304" pitchFamily="18" charset="0"/>
+              </a:rPr>
+              <a:t>룩핀</a:t>
+            </a:r>
+            <a:r>
+              <a:rPr lang="en-US" altLang="ko-KR" sz="1800" kern="100" dirty="0">
+                <a:effectLst/>
+                <a:latin typeface="맑은 고딕" panose="020B0503020000020004" pitchFamily="50" charset="-127"/>
+                <a:ea typeface="맑은 고딕" panose="020B0503020000020004" pitchFamily="50" charset="-127"/>
+                <a:cs typeface="Times New Roman" panose="02020603050405020304" pitchFamily="18" charset="0"/>
+              </a:rPr>
+              <a:t>, </a:t>
+            </a:r>
+            <a:r>
+              <a:rPr lang="ko-KR" altLang="ko-KR" sz="1800" kern="100" dirty="0" err="1">
+                <a:effectLst/>
+                <a:latin typeface="맑은 고딕" panose="020B0503020000020004" pitchFamily="50" charset="-127"/>
+                <a:ea typeface="맑은 고딕" panose="020B0503020000020004" pitchFamily="50" charset="-127"/>
+                <a:cs typeface="Times New Roman" panose="02020603050405020304" pitchFamily="18" charset="0"/>
+              </a:rPr>
+              <a:t>필로그램</a:t>
+            </a:r>
+            <a:r>
+              <a:rPr lang="en-US" altLang="ko-KR" sz="1800" kern="100" dirty="0">
+                <a:effectLst/>
+                <a:latin typeface="맑은 고딕" panose="020B0503020000020004" pitchFamily="50" charset="-127"/>
+                <a:ea typeface="맑은 고딕" panose="020B0503020000020004" pitchFamily="50" charset="-127"/>
+                <a:cs typeface="Times New Roman" panose="02020603050405020304" pitchFamily="18" charset="0"/>
+              </a:rPr>
+              <a:t>)</a:t>
+            </a:r>
+            <a:endParaRPr lang="ko-KR" altLang="ko-KR" sz="1800" kern="100" dirty="0">
+              <a:effectLst/>
+              <a:latin typeface="맑은 고딕" panose="020B0503020000020004" pitchFamily="50" charset="-127"/>
+              <a:ea typeface="맑은 고딕" panose="020B0503020000020004" pitchFamily="50" charset="-127"/>
+              <a:cs typeface="Times New Roman" panose="02020603050405020304" pitchFamily="18" charset="0"/>
+            </a:endParaRPr>
+          </a:p>
+          <a:p>
+            <a:pPr marL="0" indent="0" algn="just" latinLnBrk="1">
+              <a:lnSpc>
+                <a:spcPct val="107000"/>
+              </a:lnSpc>
+              <a:spcAft>
+                <a:spcPts val="800"/>
+              </a:spcAft>
+              <a:buNone/>
+            </a:pPr>
+            <a:r>
+              <a:rPr lang="en-US" altLang="ko-KR" sz="1800" kern="100" dirty="0">
+                <a:effectLst/>
+                <a:latin typeface="맑은 고딕" panose="020B0503020000020004" pitchFamily="50" charset="-127"/>
+                <a:ea typeface="맑은 고딕" panose="020B0503020000020004" pitchFamily="50" charset="-127"/>
+                <a:cs typeface="Times New Roman" panose="02020603050405020304" pitchFamily="18" charset="0"/>
+              </a:rPr>
+              <a:t>- </a:t>
+            </a:r>
+            <a:r>
+              <a:rPr lang="ko-KR" altLang="en-US" sz="1800" kern="100" dirty="0">
+                <a:effectLst/>
+                <a:latin typeface="맑은 고딕" panose="020B0503020000020004" pitchFamily="50" charset="-127"/>
+                <a:ea typeface="맑은 고딕" panose="020B0503020000020004" pitchFamily="50" charset="-127"/>
+                <a:cs typeface="Times New Roman" panose="02020603050405020304" pitchFamily="18" charset="0"/>
+              </a:rPr>
+              <a:t>색상</a:t>
+            </a:r>
+            <a:r>
+              <a:rPr lang="en-US" altLang="ko-KR" sz="1800" kern="100" dirty="0">
+                <a:effectLst/>
+                <a:latin typeface="맑은 고딕" panose="020B0503020000020004" pitchFamily="50" charset="-127"/>
+                <a:ea typeface="맑은 고딕" panose="020B0503020000020004" pitchFamily="50" charset="-127"/>
+                <a:cs typeface="Times New Roman" panose="02020603050405020304" pitchFamily="18" charset="0"/>
+              </a:rPr>
+              <a:t>, </a:t>
+            </a:r>
+            <a:r>
+              <a:rPr lang="ko-KR" altLang="en-US" sz="1800" kern="100" dirty="0">
+                <a:effectLst/>
+                <a:latin typeface="맑은 고딕" panose="020B0503020000020004" pitchFamily="50" charset="-127"/>
+                <a:ea typeface="맑은 고딕" panose="020B0503020000020004" pitchFamily="50" charset="-127"/>
+                <a:cs typeface="Times New Roman" panose="02020603050405020304" pitchFamily="18" charset="0"/>
+              </a:rPr>
+              <a:t>스타일 등 내가 선호하는 취향을 눌러서 검색하는 기능</a:t>
+            </a:r>
+            <a:r>
+              <a:rPr lang="en-US" altLang="ko-KR" sz="1800" kern="100" dirty="0">
+                <a:effectLst/>
+                <a:latin typeface="맑은 고딕" panose="020B0503020000020004" pitchFamily="50" charset="-127"/>
+                <a:ea typeface="맑은 고딕" panose="020B0503020000020004" pitchFamily="50" charset="-127"/>
+                <a:cs typeface="Times New Roman" panose="02020603050405020304" pitchFamily="18" charset="0"/>
+              </a:rPr>
+              <a:t>.</a:t>
+            </a:r>
+            <a:endParaRPr lang="ko-KR" altLang="ko-KR" sz="1800" kern="100" dirty="0">
+              <a:effectLst/>
+              <a:latin typeface="맑은 고딕" panose="020B0503020000020004" pitchFamily="50" charset="-127"/>
+              <a:ea typeface="맑은 고딕" panose="020B0503020000020004" pitchFamily="50" charset="-127"/>
+              <a:cs typeface="Times New Roman" panose="02020603050405020304" pitchFamily="18" charset="0"/>
+            </a:endParaRPr>
+          </a:p>
+          <a:p>
+            <a:pPr marL="0" indent="0" algn="just" latinLnBrk="1">
+              <a:lnSpc>
+                <a:spcPct val="107000"/>
+              </a:lnSpc>
+              <a:spcAft>
+                <a:spcPts val="800"/>
+              </a:spcAft>
+              <a:buNone/>
+            </a:pPr>
+            <a:r>
+              <a:rPr lang="en-US" altLang="ko-KR" sz="1800" kern="100" dirty="0">
+                <a:effectLst/>
+                <a:latin typeface="맑은 고딕" panose="020B0503020000020004" pitchFamily="50" charset="-127"/>
+                <a:ea typeface="맑은 고딕" panose="020B0503020000020004" pitchFamily="50" charset="-127"/>
+                <a:cs typeface="Times New Roman" panose="02020603050405020304" pitchFamily="18" charset="0"/>
+              </a:rPr>
+              <a:t>- </a:t>
+            </a:r>
+            <a:r>
+              <a:rPr lang="ko-KR" altLang="en-US" sz="1800" kern="100" dirty="0">
+                <a:effectLst/>
+                <a:latin typeface="맑은 고딕" panose="020B0503020000020004" pitchFamily="50" charset="-127"/>
+                <a:ea typeface="맑은 고딕" panose="020B0503020000020004" pitchFamily="50" charset="-127"/>
+                <a:cs typeface="Times New Roman" panose="02020603050405020304" pitchFamily="18" charset="0"/>
+              </a:rPr>
+              <a:t>매장 연결 기능은 없음</a:t>
+            </a:r>
+            <a:r>
+              <a:rPr lang="en-US" altLang="ko-KR" sz="1800" kern="100" dirty="0">
+                <a:effectLst/>
+                <a:latin typeface="맑은 고딕" panose="020B0503020000020004" pitchFamily="50" charset="-127"/>
+                <a:ea typeface="맑은 고딕" panose="020B0503020000020004" pitchFamily="50" charset="-127"/>
+                <a:cs typeface="Times New Roman" panose="02020603050405020304" pitchFamily="18" charset="0"/>
+              </a:rPr>
+              <a:t>.</a:t>
+            </a:r>
+          </a:p>
+          <a:p>
+            <a:pPr algn="just" latinLnBrk="1">
+              <a:lnSpc>
+                <a:spcPct val="107000"/>
+              </a:lnSpc>
+              <a:spcAft>
+                <a:spcPts val="800"/>
+              </a:spcAft>
+              <a:buFontTx/>
+              <a:buChar char="-"/>
+            </a:pPr>
+            <a:r>
+              <a:rPr lang="ko-KR" altLang="en-US" sz="1800" kern="100" dirty="0">
+                <a:effectLst/>
+                <a:latin typeface="맑은 고딕" panose="020B0503020000020004" pitchFamily="50" charset="-127"/>
+                <a:ea typeface="맑은 고딕" panose="020B0503020000020004" pitchFamily="50" charset="-127"/>
+                <a:cs typeface="Times New Roman" panose="02020603050405020304" pitchFamily="18" charset="0"/>
+              </a:rPr>
+              <a:t>단순 모델 사진 볼 수 있음</a:t>
+            </a:r>
+            <a:r>
+              <a:rPr lang="en-US" altLang="ko-KR" sz="1800" kern="100" dirty="0">
+                <a:effectLst/>
+                <a:latin typeface="맑은 고딕" panose="020B0503020000020004" pitchFamily="50" charset="-127"/>
+                <a:ea typeface="맑은 고딕" panose="020B0503020000020004" pitchFamily="50" charset="-127"/>
+                <a:cs typeface="Times New Roman" panose="02020603050405020304" pitchFamily="18" charset="0"/>
+              </a:rPr>
+              <a:t>.</a:t>
+            </a:r>
+          </a:p>
+          <a:p>
+            <a:pPr algn="just" latinLnBrk="1">
+              <a:lnSpc>
+                <a:spcPct val="107000"/>
+              </a:lnSpc>
+              <a:spcAft>
+                <a:spcPts val="800"/>
+              </a:spcAft>
+              <a:buFontTx/>
+              <a:buChar char="-"/>
+            </a:pPr>
+            <a:endParaRPr lang="ko-KR" altLang="ko-KR" sz="1800" kern="100" dirty="0">
+              <a:effectLst/>
+              <a:latin typeface="맑은 고딕" panose="020B0503020000020004" pitchFamily="50" charset="-127"/>
+              <a:ea typeface="맑은 고딕" panose="020B0503020000020004" pitchFamily="50" charset="-127"/>
+              <a:cs typeface="Times New Roman" panose="02020603050405020304" pitchFamily="18" charset="0"/>
+            </a:endParaRPr>
+          </a:p>
+          <a:p>
+            <a:pPr marL="0" indent="0" algn="just" latinLnBrk="1">
+              <a:lnSpc>
+                <a:spcPct val="107000"/>
+              </a:lnSpc>
+              <a:spcAft>
+                <a:spcPts val="800"/>
+              </a:spcAft>
+              <a:buNone/>
+            </a:pPr>
+            <a:r>
+              <a:rPr lang="en-US" altLang="ko-KR" sz="1800" kern="100" dirty="0">
+                <a:effectLst/>
+                <a:latin typeface="맑은 고딕" panose="020B0503020000020004" pitchFamily="50" charset="-127"/>
+                <a:ea typeface="맑은 고딕" panose="020B0503020000020004" pitchFamily="50" charset="-127"/>
+                <a:cs typeface="Times New Roman" panose="02020603050405020304" pitchFamily="18" charset="0"/>
+              </a:rPr>
+              <a:t># </a:t>
+            </a:r>
+            <a:r>
+              <a:rPr lang="ko-KR" altLang="ko-KR" sz="1800" kern="100" dirty="0">
+                <a:effectLst/>
+                <a:latin typeface="맑은 고딕" panose="020B0503020000020004" pitchFamily="50" charset="-127"/>
+                <a:ea typeface="맑은 고딕" panose="020B0503020000020004" pitchFamily="50" charset="-127"/>
+                <a:cs typeface="Times New Roman" panose="02020603050405020304" pitchFamily="18" charset="0"/>
+              </a:rPr>
+              <a:t>차별화된 기능</a:t>
+            </a:r>
+          </a:p>
+          <a:p>
+            <a:pPr marL="0" indent="0" algn="just" latinLnBrk="1">
+              <a:lnSpc>
+                <a:spcPct val="107000"/>
+              </a:lnSpc>
+              <a:spcAft>
+                <a:spcPts val="800"/>
+              </a:spcAft>
+              <a:buNone/>
+            </a:pPr>
+            <a:r>
+              <a:rPr lang="en-US" altLang="ko-KR" sz="1800" kern="100" dirty="0">
+                <a:effectLst/>
+                <a:latin typeface="맑은 고딕" panose="020B0503020000020004" pitchFamily="50" charset="-127"/>
+                <a:ea typeface="맑은 고딕" panose="020B0503020000020004" pitchFamily="50" charset="-127"/>
+                <a:cs typeface="Times New Roman" panose="02020603050405020304" pitchFamily="18" charset="0"/>
+              </a:rPr>
+              <a:t>- </a:t>
+            </a:r>
+            <a:r>
+              <a:rPr lang="ko-KR" altLang="ko-KR" sz="1800" kern="100" dirty="0">
+                <a:effectLst/>
+                <a:latin typeface="맑은 고딕" panose="020B0503020000020004" pitchFamily="50" charset="-127"/>
+                <a:ea typeface="맑은 고딕" panose="020B0503020000020004" pitchFamily="50" charset="-127"/>
+                <a:cs typeface="Times New Roman" panose="02020603050405020304" pitchFamily="18" charset="0"/>
+              </a:rPr>
+              <a:t>내가 선호하는 스타일</a:t>
+            </a:r>
+            <a:r>
+              <a:rPr lang="en-US" altLang="ko-KR" sz="1800" kern="100" dirty="0">
+                <a:effectLst/>
+                <a:latin typeface="맑은 고딕" panose="020B0503020000020004" pitchFamily="50" charset="-127"/>
+                <a:ea typeface="맑은 고딕" panose="020B0503020000020004" pitchFamily="50" charset="-127"/>
+                <a:cs typeface="Times New Roman" panose="02020603050405020304" pitchFamily="18" charset="0"/>
+              </a:rPr>
+              <a:t>, </a:t>
+            </a:r>
+            <a:r>
+              <a:rPr lang="ko-KR" altLang="ko-KR" sz="1800" kern="100" dirty="0">
+                <a:effectLst/>
+                <a:latin typeface="맑은 고딕" panose="020B0503020000020004" pitchFamily="50" charset="-127"/>
+                <a:ea typeface="맑은 고딕" panose="020B0503020000020004" pitchFamily="50" charset="-127"/>
+                <a:cs typeface="Times New Roman" panose="02020603050405020304" pitchFamily="18" charset="0"/>
+              </a:rPr>
+              <a:t>색깔 등등</a:t>
+            </a:r>
+            <a:r>
+              <a:rPr lang="ko-KR" altLang="en-US" sz="1800" kern="100" dirty="0">
+                <a:effectLst/>
+                <a:latin typeface="맑은 고딕" panose="020B0503020000020004" pitchFamily="50" charset="-127"/>
+                <a:ea typeface="맑은 고딕" panose="020B0503020000020004" pitchFamily="50" charset="-127"/>
+                <a:cs typeface="Times New Roman" panose="02020603050405020304" pitchFamily="18" charset="0"/>
+              </a:rPr>
+              <a:t>을</a:t>
+            </a:r>
+            <a:r>
+              <a:rPr lang="ko-KR" altLang="ko-KR" sz="1800" kern="100" dirty="0">
+                <a:effectLst/>
+                <a:latin typeface="맑은 고딕" panose="020B0503020000020004" pitchFamily="50" charset="-127"/>
+                <a:ea typeface="맑은 고딕" panose="020B0503020000020004" pitchFamily="50" charset="-127"/>
+                <a:cs typeface="Times New Roman" panose="02020603050405020304" pitchFamily="18" charset="0"/>
+              </a:rPr>
+              <a:t> 미리 데이터로 저장</a:t>
+            </a:r>
+            <a:r>
+              <a:rPr lang="ko-KR" altLang="en-US" sz="1800" kern="100" dirty="0">
+                <a:effectLst/>
+                <a:latin typeface="맑은 고딕" panose="020B0503020000020004" pitchFamily="50" charset="-127"/>
+                <a:ea typeface="맑은 고딕" panose="020B0503020000020004" pitchFamily="50" charset="-127"/>
+                <a:cs typeface="Times New Roman" panose="02020603050405020304" pitchFamily="18" charset="0"/>
+              </a:rPr>
+              <a:t>해서 추천하는 기능</a:t>
+            </a:r>
+            <a:r>
+              <a:rPr lang="en-US" altLang="ko-KR" sz="1800" kern="100" dirty="0">
+                <a:effectLst/>
+                <a:latin typeface="맑은 고딕" panose="020B0503020000020004" pitchFamily="50" charset="-127"/>
+                <a:ea typeface="맑은 고딕" panose="020B0503020000020004" pitchFamily="50" charset="-127"/>
+                <a:cs typeface="Times New Roman" panose="02020603050405020304" pitchFamily="18" charset="0"/>
+              </a:rPr>
+              <a:t>.</a:t>
+            </a:r>
+            <a:endParaRPr lang="ko-KR" altLang="ko-KR" sz="1800" kern="100" dirty="0">
+              <a:effectLst/>
+              <a:latin typeface="맑은 고딕" panose="020B0503020000020004" pitchFamily="50" charset="-127"/>
+              <a:ea typeface="맑은 고딕" panose="020B0503020000020004" pitchFamily="50" charset="-127"/>
+              <a:cs typeface="Times New Roman" panose="02020603050405020304" pitchFamily="18" charset="0"/>
+            </a:endParaRPr>
+          </a:p>
+          <a:p>
+            <a:pPr marL="0" indent="0" algn="just" latinLnBrk="1">
+              <a:lnSpc>
+                <a:spcPct val="107000"/>
+              </a:lnSpc>
+              <a:spcAft>
+                <a:spcPts val="800"/>
+              </a:spcAft>
+              <a:buNone/>
+            </a:pPr>
+            <a:r>
+              <a:rPr lang="en-US" altLang="ko-KR" sz="1800" kern="100" dirty="0">
+                <a:effectLst/>
+                <a:latin typeface="맑은 고딕" panose="020B0503020000020004" pitchFamily="50" charset="-127"/>
+                <a:ea typeface="맑은 고딕" panose="020B0503020000020004" pitchFamily="50" charset="-127"/>
+                <a:cs typeface="Times New Roman" panose="02020603050405020304" pitchFamily="18" charset="0"/>
+              </a:rPr>
+              <a:t>- </a:t>
+            </a:r>
+            <a:r>
+              <a:rPr lang="ko-KR" altLang="ko-KR" sz="1800" kern="100" dirty="0">
+                <a:effectLst/>
+                <a:latin typeface="맑은 고딕" panose="020B0503020000020004" pitchFamily="50" charset="-127"/>
+                <a:ea typeface="맑은 고딕" panose="020B0503020000020004" pitchFamily="50" charset="-127"/>
+                <a:cs typeface="Times New Roman" panose="02020603050405020304" pitchFamily="18" charset="0"/>
+              </a:rPr>
+              <a:t>원하는 옷이 있는 가까운 매장 연결 기능</a:t>
+            </a:r>
+          </a:p>
+          <a:p>
+            <a:pPr marL="0" indent="0" algn="just" latinLnBrk="1">
+              <a:lnSpc>
+                <a:spcPct val="107000"/>
+              </a:lnSpc>
+              <a:spcAft>
+                <a:spcPts val="800"/>
+              </a:spcAft>
+              <a:buNone/>
+            </a:pPr>
+            <a:r>
+              <a:rPr lang="en-US" altLang="ko-KR" sz="1800" kern="100" dirty="0">
+                <a:effectLst/>
+                <a:latin typeface="맑은 고딕" panose="020B0503020000020004" pitchFamily="50" charset="-127"/>
+                <a:ea typeface="맑은 고딕" panose="020B0503020000020004" pitchFamily="50" charset="-127"/>
+                <a:cs typeface="Times New Roman" panose="02020603050405020304" pitchFamily="18" charset="0"/>
+              </a:rPr>
+              <a:t>- </a:t>
+            </a:r>
+            <a:r>
+              <a:rPr lang="ko-KR" altLang="en-US" sz="1800" kern="100" dirty="0">
+                <a:latin typeface="맑은 고딕" panose="020B0503020000020004" pitchFamily="50" charset="-127"/>
+                <a:ea typeface="맑은 고딕" panose="020B0503020000020004" pitchFamily="50" charset="-127"/>
+                <a:cs typeface="Times New Roman" panose="02020603050405020304" pitchFamily="18" charset="0"/>
+              </a:rPr>
+              <a:t>모델이 입은</a:t>
+            </a:r>
+            <a:r>
+              <a:rPr lang="ko-KR" altLang="ko-KR" sz="1800" kern="100" dirty="0">
+                <a:effectLst/>
+                <a:latin typeface="맑은 고딕" panose="020B0503020000020004" pitchFamily="50" charset="-127"/>
+                <a:ea typeface="맑은 고딕" panose="020B0503020000020004" pitchFamily="50" charset="-127"/>
+                <a:cs typeface="Times New Roman" panose="02020603050405020304" pitchFamily="18" charset="0"/>
+              </a:rPr>
+              <a:t> 사진에 자신의 얼굴을 합성해서</a:t>
+            </a:r>
+            <a:r>
+              <a:rPr lang="en-US" altLang="ko-KR" sz="1800" kern="100" dirty="0">
+                <a:effectLst/>
+                <a:latin typeface="맑은 고딕" panose="020B0503020000020004" pitchFamily="50" charset="-127"/>
+                <a:ea typeface="맑은 고딕" panose="020B0503020000020004" pitchFamily="50" charset="-127"/>
+                <a:cs typeface="Times New Roman" panose="02020603050405020304" pitchFamily="18" charset="0"/>
+              </a:rPr>
+              <a:t> </a:t>
+            </a:r>
+            <a:r>
+              <a:rPr lang="ko-KR" altLang="en-US" sz="1800" kern="100" dirty="0">
+                <a:effectLst/>
+                <a:latin typeface="맑은 고딕" panose="020B0503020000020004" pitchFamily="50" charset="-127"/>
+                <a:ea typeface="맑은 고딕" panose="020B0503020000020004" pitchFamily="50" charset="-127"/>
+                <a:cs typeface="Times New Roman" panose="02020603050405020304" pitchFamily="18" charset="0"/>
+              </a:rPr>
+              <a:t>볼</a:t>
+            </a:r>
+            <a:r>
+              <a:rPr lang="ko-KR" altLang="ko-KR" sz="1800" kern="100" dirty="0">
+                <a:effectLst/>
+                <a:latin typeface="맑은 고딕" panose="020B0503020000020004" pitchFamily="50" charset="-127"/>
+                <a:ea typeface="맑은 고딕" panose="020B0503020000020004" pitchFamily="50" charset="-127"/>
+                <a:cs typeface="Times New Roman" panose="02020603050405020304" pitchFamily="18" charset="0"/>
+              </a:rPr>
+              <a:t> 수</a:t>
+            </a:r>
+            <a:r>
+              <a:rPr lang="en-US" altLang="ko-KR" sz="1800" kern="100">
+                <a:effectLst/>
+                <a:latin typeface="맑은 고딕" panose="020B0503020000020004" pitchFamily="50" charset="-127"/>
+                <a:ea typeface="맑은 고딕" panose="020B0503020000020004" pitchFamily="50" charset="-127"/>
+                <a:cs typeface="Times New Roman" panose="02020603050405020304" pitchFamily="18" charset="0"/>
+              </a:rPr>
+              <a:t> </a:t>
+            </a:r>
+            <a:r>
+              <a:rPr lang="ko-KR" altLang="en-US" sz="1800" kern="100">
+                <a:effectLst/>
+                <a:latin typeface="맑은 고딕" panose="020B0503020000020004" pitchFamily="50" charset="-127"/>
+                <a:ea typeface="맑은 고딕" panose="020B0503020000020004" pitchFamily="50" charset="-127"/>
+                <a:cs typeface="Times New Roman" panose="02020603050405020304" pitchFamily="18" charset="0"/>
+              </a:rPr>
+              <a:t>있음</a:t>
+            </a:r>
+            <a:endParaRPr lang="ko-KR" altLang="en-US" dirty="0"/>
+          </a:p>
+        </p:txBody>
+      </p:sp>
+      <p:sp>
+        <p:nvSpPr>
+          <p:cNvPr id="4" name="Holder 2">
+            <a:extLst>
+              <a:ext uri="{FF2B5EF4-FFF2-40B4-BE49-F238E27FC236}">
+                <a16:creationId xmlns:a16="http://schemas.microsoft.com/office/drawing/2014/main" id="{29CA48EB-0E5D-403F-801F-7DA37AD35984}"/>
+              </a:ext>
+            </a:extLst>
+          </p:cNvPr>
+          <p:cNvSpPr txBox="1">
+            <a:spLocks/>
+          </p:cNvSpPr>
+          <p:nvPr/>
+        </p:nvSpPr>
+        <p:spPr>
+          <a:xfrm>
+            <a:off x="1141272" y="557940"/>
+            <a:ext cx="9680854" cy="727936"/>
+          </a:xfrm>
+          <a:prstGeom prst="rect">
+            <a:avLst/>
+          </a:prstGeom>
+        </p:spPr>
+        <p:txBody>
+          <a:bodyPr vert="horz" lIns="91440" tIns="45720" rIns="91440" bIns="45720" rtlCol="0" anchor="ctr">
+            <a:normAutofit/>
+          </a:bodyPr>
+          <a:lstStyle>
+            <a:lvl1pPr algn="l" defTabSz="914400" rtl="0" eaLnBrk="1" latinLnBrk="1" hangingPunct="1">
+              <a:lnSpc>
+                <a:spcPct val="90000"/>
+              </a:lnSpc>
+              <a:spcBef>
+                <a:spcPct val="0"/>
+              </a:spcBef>
+              <a:buNone/>
+              <a:defRPr sz="4400" kern="1200">
+                <a:solidFill>
+                  <a:schemeClr val="tx1"/>
+                </a:solidFill>
+                <a:latin typeface="+mj-lt"/>
+                <a:ea typeface="+mj-ea"/>
+                <a:cs typeface="+mj-cs"/>
+              </a:defRPr>
+            </a:lvl1pPr>
+          </a:lstStyle>
+          <a:p>
+            <a:pPr>
+              <a:defRPr lang="ko-KR" altLang="en-US"/>
+            </a:pPr>
+            <a:r>
+              <a:rPr lang="ko-KR" altLang="en-US" dirty="0"/>
+              <a:t>기존 옷 사이트와의 차별화된 기능</a:t>
+            </a:r>
+          </a:p>
+        </p:txBody>
+      </p:sp>
+    </p:spTree>
+    <p:extLst>
+      <p:ext uri="{BB962C8B-B14F-4D97-AF65-F5344CB8AC3E}">
+        <p14:creationId xmlns:p14="http://schemas.microsoft.com/office/powerpoint/2010/main" val="2745331797"/>
+      </p:ext>
+    </p:extLst>
+  </p:cSld>
+  <p:clrMapOvr>
+    <a:masterClrMapping/>
+  </p:clrMapOvr>
 </p:sld>
 </file>
 

--- a/공학설계입문__웹_아이디어.pptx
+++ b/공학설계입문__웹_아이디어.pptx
@@ -9,6 +9,8 @@
     <p:sldId id="259" r:id="rId3"/>
     <p:sldId id="260" r:id="rId4"/>
     <p:sldId id="261" r:id="rId5"/>
+    <p:sldId id="262" r:id="rId6"/>
+    <p:sldId id="263" r:id="rId7"/>
   </p:sldIdLst>
   <p:sldSz cx="12192000" cy="6858000"/>
   <p:notesSz cx="6858000" cy="9144000"/>
@@ -262,7 +264,7 @@
           <a:p>
             <a:fld id="{31D23E30-4844-450A-8FE2-BA117FA03542}" type="datetimeFigureOut">
               <a:rPr lang="ko-KR" altLang="en-US" smtClean="0"/>
-              <a:t>2021-11-29</a:t>
+              <a:t>2021-12-02</a:t>
             </a:fld>
             <a:endParaRPr lang="ko-KR" altLang="en-US"/>
           </a:p>
@@ -460,7 +462,7 @@
           <a:p>
             <a:fld id="{31D23E30-4844-450A-8FE2-BA117FA03542}" type="datetimeFigureOut">
               <a:rPr lang="ko-KR" altLang="en-US" smtClean="0"/>
-              <a:t>2021-11-29</a:t>
+              <a:t>2021-12-02</a:t>
             </a:fld>
             <a:endParaRPr lang="ko-KR" altLang="en-US"/>
           </a:p>
@@ -668,7 +670,7 @@
           <a:p>
             <a:fld id="{31D23E30-4844-450A-8FE2-BA117FA03542}" type="datetimeFigureOut">
               <a:rPr lang="ko-KR" altLang="en-US" smtClean="0"/>
-              <a:t>2021-11-29</a:t>
+              <a:t>2021-12-02</a:t>
             </a:fld>
             <a:endParaRPr lang="ko-KR" altLang="en-US"/>
           </a:p>
@@ -866,7 +868,7 @@
           <a:p>
             <a:fld id="{31D23E30-4844-450A-8FE2-BA117FA03542}" type="datetimeFigureOut">
               <a:rPr lang="ko-KR" altLang="en-US" smtClean="0"/>
-              <a:t>2021-11-29</a:t>
+              <a:t>2021-12-02</a:t>
             </a:fld>
             <a:endParaRPr lang="ko-KR" altLang="en-US"/>
           </a:p>
@@ -1141,7 +1143,7 @@
           <a:p>
             <a:fld id="{31D23E30-4844-450A-8FE2-BA117FA03542}" type="datetimeFigureOut">
               <a:rPr lang="ko-KR" altLang="en-US" smtClean="0"/>
-              <a:t>2021-11-29</a:t>
+              <a:t>2021-12-02</a:t>
             </a:fld>
             <a:endParaRPr lang="ko-KR" altLang="en-US"/>
           </a:p>
@@ -1406,7 +1408,7 @@
           <a:p>
             <a:fld id="{31D23E30-4844-450A-8FE2-BA117FA03542}" type="datetimeFigureOut">
               <a:rPr lang="ko-KR" altLang="en-US" smtClean="0"/>
-              <a:t>2021-11-29</a:t>
+              <a:t>2021-12-02</a:t>
             </a:fld>
             <a:endParaRPr lang="ko-KR" altLang="en-US"/>
           </a:p>
@@ -1818,7 +1820,7 @@
           <a:p>
             <a:fld id="{31D23E30-4844-450A-8FE2-BA117FA03542}" type="datetimeFigureOut">
               <a:rPr lang="ko-KR" altLang="en-US" smtClean="0"/>
-              <a:t>2021-11-29</a:t>
+              <a:t>2021-12-02</a:t>
             </a:fld>
             <a:endParaRPr lang="ko-KR" altLang="en-US"/>
           </a:p>
@@ -1959,7 +1961,7 @@
           <a:p>
             <a:fld id="{31D23E30-4844-450A-8FE2-BA117FA03542}" type="datetimeFigureOut">
               <a:rPr lang="ko-KR" altLang="en-US" smtClean="0"/>
-              <a:t>2021-11-29</a:t>
+              <a:t>2021-12-02</a:t>
             </a:fld>
             <a:endParaRPr lang="ko-KR" altLang="en-US"/>
           </a:p>
@@ -2072,7 +2074,7 @@
           <a:p>
             <a:fld id="{31D23E30-4844-450A-8FE2-BA117FA03542}" type="datetimeFigureOut">
               <a:rPr lang="ko-KR" altLang="en-US" smtClean="0"/>
-              <a:t>2021-11-29</a:t>
+              <a:t>2021-12-02</a:t>
             </a:fld>
             <a:endParaRPr lang="ko-KR" altLang="en-US"/>
           </a:p>
@@ -2383,7 +2385,7 @@
           <a:p>
             <a:fld id="{31D23E30-4844-450A-8FE2-BA117FA03542}" type="datetimeFigureOut">
               <a:rPr lang="ko-KR" altLang="en-US" smtClean="0"/>
-              <a:t>2021-11-29</a:t>
+              <a:t>2021-12-02</a:t>
             </a:fld>
             <a:endParaRPr lang="ko-KR" altLang="en-US"/>
           </a:p>
@@ -2671,7 +2673,7 @@
           <a:p>
             <a:fld id="{31D23E30-4844-450A-8FE2-BA117FA03542}" type="datetimeFigureOut">
               <a:rPr lang="ko-KR" altLang="en-US" smtClean="0"/>
-              <a:t>2021-11-29</a:t>
+              <a:t>2021-12-02</a:t>
             </a:fld>
             <a:endParaRPr lang="ko-KR" altLang="en-US"/>
           </a:p>
@@ -2912,7 +2914,7 @@
           <a:p>
             <a:fld id="{31D23E30-4844-450A-8FE2-BA117FA03542}" type="datetimeFigureOut">
               <a:rPr lang="ko-KR" altLang="en-US" smtClean="0"/>
-              <a:t>2021-11-29</a:t>
+              <a:t>2021-12-02</a:t>
             </a:fld>
             <a:endParaRPr lang="ko-KR" altLang="en-US"/>
           </a:p>
@@ -3890,7 +3892,7 @@
     <mc:Choice Requires="p14">
       <p:transition/>
     </mc:Choice>
-    <mc:Fallback xmlns:dsp="http://schemas.microsoft.com/office/drawing/2008/diagram" xmlns:dgm="http://schemas.openxmlformats.org/drawingml/2006/diagram" xmlns:c="http://schemas.openxmlformats.org/drawingml/2006/chart" xmlns="">
+    <mc:Fallback xmlns="" xmlns:c="http://schemas.openxmlformats.org/drawingml/2006/chart" xmlns:dgm="http://schemas.openxmlformats.org/drawingml/2006/diagram" xmlns:dsp="http://schemas.microsoft.com/office/drawing/2008/diagram">
       <p:transition/>
     </mc:Fallback>
   </mc:AlternateContent>
@@ -3969,7 +3971,7 @@
             </a:r>
             <a:r>
               <a:rPr lang="ko-KR" altLang="en-US" sz="1900" dirty="0"/>
-              <a:t>최적해 선정</a:t>
+              <a:t>아이디어 평가 및 최적해 선정</a:t>
             </a:r>
             <a:r>
               <a:rPr lang="en-US" altLang="ko-KR" sz="1900" dirty="0"/>
@@ -4483,7 +4485,7 @@
                       <a:pPr>
                         <a:defRPr lang="ko-KR" altLang="en-US"/>
                       </a:pPr>
-                      <a:endParaRPr lang="ko-KR" altLang="en-US" sz="1500"/>
+                      <a:endParaRPr lang="ko-KR" altLang="en-US" sz="1500" dirty="0"/>
                     </a:p>
                   </a:txBody>
                   <a:tcPr>
@@ -5135,7 +5137,7 @@
     <mc:Choice Requires="p14">
       <p:transition/>
     </mc:Choice>
-    <mc:Fallback xmlns:dsp="http://schemas.microsoft.com/office/drawing/2008/diagram" xmlns:dgm="http://schemas.openxmlformats.org/drawingml/2006/diagram" xmlns:c="http://schemas.openxmlformats.org/drawingml/2006/chart" xmlns="">
+    <mc:Fallback xmlns="" xmlns:c="http://schemas.openxmlformats.org/drawingml/2006/chart" xmlns:dgm="http://schemas.openxmlformats.org/drawingml/2006/diagram" xmlns:dsp="http://schemas.microsoft.com/office/drawing/2008/diagram">
       <p:transition/>
     </mc:Fallback>
   </mc:AlternateContent>
@@ -5177,15 +5179,111 @@
         </p:nvSpPr>
         <p:spPr>
           <a:xfrm>
-            <a:off x="838200" y="1686140"/>
-            <a:ext cx="10515600" cy="4351338"/>
+            <a:off x="371959" y="1006906"/>
+            <a:ext cx="11608231" cy="5572123"/>
           </a:xfrm>
         </p:spPr>
         <p:txBody>
           <a:bodyPr>
-            <a:normAutofit fontScale="92500" lnSpcReduction="10000"/>
+            <a:normAutofit fontScale="92500" lnSpcReduction="20000"/>
           </a:bodyPr>
           <a:lstStyle/>
+          <a:p>
+            <a:pPr>
+              <a:defRPr lang="ko-KR" altLang="en-US"/>
+            </a:pPr>
+            <a:r>
+              <a:rPr lang="ko-KR" altLang="en-US" sz="1800" kern="100" dirty="0">
+                <a:effectLst/>
+                <a:latin typeface="맑은 고딕" panose="020B0503020000020004" pitchFamily="50" charset="-127"/>
+                <a:ea typeface="맑은 고딕" panose="020B0503020000020004" pitchFamily="50" charset="-127"/>
+                <a:cs typeface="Times New Roman" panose="02020603050405020304" pitchFamily="18" charset="0"/>
+              </a:rPr>
+              <a:t>최적해</a:t>
+            </a:r>
+            <a:r>
+              <a:rPr lang="en-US" altLang="ko-KR" sz="1800" kern="100" dirty="0">
+                <a:effectLst/>
+                <a:latin typeface="맑은 고딕" panose="020B0503020000020004" pitchFamily="50" charset="-127"/>
+                <a:ea typeface="맑은 고딕" panose="020B0503020000020004" pitchFamily="50" charset="-127"/>
+                <a:cs typeface="Times New Roman" panose="02020603050405020304" pitchFamily="18" charset="0"/>
+              </a:rPr>
+              <a:t>: </a:t>
+            </a:r>
+            <a:r>
+              <a:rPr lang="ko-KR" altLang="en-US" sz="1800" dirty="0"/>
+              <a:t>설문조사 (색상, 스타일, 직업, 성별, 사는 곳, 나이, 돈, 선호하는 옷 등)</a:t>
+            </a:r>
+            <a:endParaRPr lang="en-US" altLang="ko-KR" sz="1800" dirty="0"/>
+          </a:p>
+          <a:p>
+            <a:pPr>
+              <a:defRPr lang="ko-KR" altLang="en-US"/>
+            </a:pPr>
+            <a:endParaRPr lang="en-US" altLang="ko-KR" sz="1800" dirty="0"/>
+          </a:p>
+          <a:p>
+            <a:pPr marL="0" indent="0">
+              <a:buNone/>
+              <a:defRPr lang="ko-KR" altLang="en-US"/>
+            </a:pPr>
+            <a:r>
+              <a:rPr lang="ko-KR" altLang="en-US" sz="1800" kern="100" dirty="0">
+                <a:effectLst/>
+                <a:latin typeface="맑은 고딕" panose="020B0503020000020004" pitchFamily="50" charset="-127"/>
+                <a:ea typeface="맑은 고딕" panose="020B0503020000020004" pitchFamily="50" charset="-127"/>
+                <a:cs typeface="Times New Roman" panose="02020603050405020304" pitchFamily="18" charset="0"/>
+              </a:rPr>
+              <a:t>소비자가 선호하는 옷을 보기 위해 매번 옷 분류를 해야 하는 </a:t>
+            </a:r>
+            <a:r>
+              <a:rPr lang="ko-KR" altLang="en-US" sz="1800" kern="100" dirty="0">
+                <a:latin typeface="맑은 고딕" panose="020B0503020000020004" pitchFamily="50" charset="-127"/>
+                <a:ea typeface="맑은 고딕" panose="020B0503020000020004" pitchFamily="50" charset="-127"/>
+                <a:cs typeface="Times New Roman" panose="02020603050405020304" pitchFamily="18" charset="0"/>
+              </a:rPr>
+              <a:t>번거로움과 불편함을 해소하기 위해 </a:t>
+            </a:r>
+            <a:endParaRPr lang="en-US" altLang="ko-KR" sz="1800" kern="100" dirty="0">
+              <a:latin typeface="맑은 고딕" panose="020B0503020000020004" pitchFamily="50" charset="-127"/>
+              <a:ea typeface="맑은 고딕" panose="020B0503020000020004" pitchFamily="50" charset="-127"/>
+              <a:cs typeface="Times New Roman" panose="02020603050405020304" pitchFamily="18" charset="0"/>
+            </a:endParaRPr>
+          </a:p>
+          <a:p>
+            <a:pPr marL="0" indent="0">
+              <a:buNone/>
+              <a:defRPr lang="ko-KR" altLang="en-US"/>
+            </a:pPr>
+            <a:r>
+              <a:rPr lang="ko-KR" altLang="en-US" sz="1800" kern="100" dirty="0">
+                <a:latin typeface="맑은 고딕" panose="020B0503020000020004" pitchFamily="50" charset="-127"/>
+                <a:ea typeface="맑은 고딕" panose="020B0503020000020004" pitchFamily="50" charset="-127"/>
+                <a:cs typeface="Times New Roman" panose="02020603050405020304" pitchFamily="18" charset="0"/>
+              </a:rPr>
+              <a:t>미리 설문조사를 해서 데이터를 저장한다</a:t>
+            </a:r>
+            <a:r>
+              <a:rPr lang="en-US" altLang="ko-KR" sz="1800" kern="100" dirty="0">
+                <a:latin typeface="맑은 고딕" panose="020B0503020000020004" pitchFamily="50" charset="-127"/>
+                <a:ea typeface="맑은 고딕" panose="020B0503020000020004" pitchFamily="50" charset="-127"/>
+                <a:cs typeface="Times New Roman" panose="02020603050405020304" pitchFamily="18" charset="0"/>
+              </a:rPr>
+              <a:t>.</a:t>
+            </a:r>
+          </a:p>
+          <a:p>
+            <a:pPr marL="0" indent="0">
+              <a:buNone/>
+              <a:defRPr lang="ko-KR" altLang="en-US"/>
+            </a:pPr>
+            <a:endParaRPr lang="en-US" altLang="ko-KR" sz="1800" kern="100" dirty="0">
+              <a:effectLst/>
+              <a:latin typeface="맑은 고딕" panose="020B0503020000020004" pitchFamily="50" charset="-127"/>
+              <a:ea typeface="맑은 고딕" panose="020B0503020000020004" pitchFamily="50" charset="-127"/>
+              <a:cs typeface="Times New Roman" panose="02020603050405020304" pitchFamily="18" charset="0"/>
+            </a:endParaRPr>
+          </a:p>
           <a:p>
             <a:pPr marL="0" indent="0" algn="just" latinLnBrk="1">
               <a:lnSpc>
@@ -5224,31 +5322,28 @@
               <a:t>(</a:t>
             </a:r>
             <a:r>
-              <a:rPr lang="ko-KR" altLang="ko-KR" sz="1800" kern="100" dirty="0" err="1">
-                <a:effectLst/>
+              <a:rPr lang="ko-KR" altLang="en-US" sz="1800" kern="100" dirty="0" err="1">
+                <a:latin typeface="맑은 고딕" panose="020B0503020000020004" pitchFamily="50" charset="-127"/>
+                <a:ea typeface="맑은 고딕" panose="020B0503020000020004" pitchFamily="50" charset="-127"/>
+                <a:cs typeface="Times New Roman" panose="02020603050405020304" pitchFamily="18" charset="0"/>
+              </a:rPr>
+              <a:t>무신사</a:t>
+            </a:r>
+            <a:r>
+              <a:rPr lang="en-US" altLang="ko-KR" sz="1800" kern="100" dirty="0">
+                <a:latin typeface="맑은 고딕" panose="020B0503020000020004" pitchFamily="50" charset="-127"/>
+                <a:ea typeface="맑은 고딕" panose="020B0503020000020004" pitchFamily="50" charset="-127"/>
+                <a:cs typeface="Times New Roman" panose="02020603050405020304" pitchFamily="18" charset="0"/>
+              </a:rPr>
+              <a:t>, </a:t>
+            </a:r>
+            <a:r>
+              <a:rPr lang="ko-KR" altLang="en-US" sz="1800" kern="100" dirty="0" err="1">
                 <a:latin typeface="맑은 고딕" panose="020B0503020000020004" pitchFamily="50" charset="-127"/>
                 <a:ea typeface="맑은 고딕" panose="020B0503020000020004" pitchFamily="50" charset="-127"/>
                 <a:cs typeface="Times New Roman" panose="02020603050405020304" pitchFamily="18" charset="0"/>
               </a:rPr>
               <a:t>룩핀</a:t>
-            </a:r>
-            <a:r>
-              <a:rPr lang="en-US" altLang="ko-KR" sz="1800" kern="100" dirty="0">
-                <a:effectLst/>
-                <a:latin typeface="맑은 고딕" panose="020B0503020000020004" pitchFamily="50" charset="-127"/>
-                <a:ea typeface="맑은 고딕" panose="020B0503020000020004" pitchFamily="50" charset="-127"/>
-                <a:cs typeface="Times New Roman" panose="02020603050405020304" pitchFamily="18" charset="0"/>
-              </a:rPr>
-              <a:t>, </a:t>
-            </a:r>
-            <a:r>
-              <a:rPr lang="ko-KR" altLang="ko-KR" sz="1800" kern="100" dirty="0" err="1">
-                <a:effectLst/>
-                <a:latin typeface="맑은 고딕" panose="020B0503020000020004" pitchFamily="50" charset="-127"/>
-                <a:ea typeface="맑은 고딕" panose="020B0503020000020004" pitchFamily="50" charset="-127"/>
-                <a:cs typeface="Times New Roman" panose="02020603050405020304" pitchFamily="18" charset="0"/>
-              </a:rPr>
-              <a:t>필로그램</a:t>
             </a:r>
             <a:r>
               <a:rPr lang="en-US" altLang="ko-KR" sz="1800" kern="100" dirty="0">
@@ -5265,106 +5360,6 @@
               <a:ea typeface="맑은 고딕" panose="020B0503020000020004" pitchFamily="50" charset="-127"/>
               <a:cs typeface="Times New Roman" panose="02020603050405020304" pitchFamily="18" charset="0"/>
             </a:endParaRPr>
-          </a:p>
-          <a:p>
-            <a:pPr marL="0" indent="0" algn="just" latinLnBrk="1">
-              <a:lnSpc>
-                <a:spcPct val="107000"/>
-              </a:lnSpc>
-              <a:spcAft>
-                <a:spcPts val="800"/>
-              </a:spcAft>
-              <a:buNone/>
-            </a:pPr>
-            <a:r>
-              <a:rPr lang="en-US" altLang="ko-KR" sz="1800" kern="100" dirty="0">
-                <a:effectLst/>
-                <a:latin typeface="맑은 고딕" panose="020B0503020000020004" pitchFamily="50" charset="-127"/>
-                <a:ea typeface="맑은 고딕" panose="020B0503020000020004" pitchFamily="50" charset="-127"/>
-                <a:cs typeface="Times New Roman" panose="02020603050405020304" pitchFamily="18" charset="0"/>
-              </a:rPr>
-              <a:t>- </a:t>
-            </a:r>
-            <a:r>
-              <a:rPr lang="ko-KR" altLang="en-US" sz="1800" kern="100" dirty="0">
-                <a:effectLst/>
-                <a:latin typeface="맑은 고딕" panose="020B0503020000020004" pitchFamily="50" charset="-127"/>
-                <a:ea typeface="맑은 고딕" panose="020B0503020000020004" pitchFamily="50" charset="-127"/>
-                <a:cs typeface="Times New Roman" panose="02020603050405020304" pitchFamily="18" charset="0"/>
-              </a:rPr>
-              <a:t>색상</a:t>
-            </a:r>
-            <a:r>
-              <a:rPr lang="en-US" altLang="ko-KR" sz="1800" kern="100" dirty="0">
-                <a:effectLst/>
-                <a:latin typeface="맑은 고딕" panose="020B0503020000020004" pitchFamily="50" charset="-127"/>
-                <a:ea typeface="맑은 고딕" panose="020B0503020000020004" pitchFamily="50" charset="-127"/>
-                <a:cs typeface="Times New Roman" panose="02020603050405020304" pitchFamily="18" charset="0"/>
-              </a:rPr>
-              <a:t>, </a:t>
-            </a:r>
-            <a:r>
-              <a:rPr lang="ko-KR" altLang="en-US" sz="1800" kern="100" dirty="0">
-                <a:effectLst/>
-                <a:latin typeface="맑은 고딕" panose="020B0503020000020004" pitchFamily="50" charset="-127"/>
-                <a:ea typeface="맑은 고딕" panose="020B0503020000020004" pitchFamily="50" charset="-127"/>
-                <a:cs typeface="Times New Roman" panose="02020603050405020304" pitchFamily="18" charset="0"/>
-              </a:rPr>
-              <a:t>스타일 등 내가 선호하는 취향을 눌러서 검색하는 기능</a:t>
-            </a:r>
-            <a:r>
-              <a:rPr lang="en-US" altLang="ko-KR" sz="1800" kern="100" dirty="0">
-                <a:effectLst/>
-                <a:latin typeface="맑은 고딕" panose="020B0503020000020004" pitchFamily="50" charset="-127"/>
-                <a:ea typeface="맑은 고딕" panose="020B0503020000020004" pitchFamily="50" charset="-127"/>
-                <a:cs typeface="Times New Roman" panose="02020603050405020304" pitchFamily="18" charset="0"/>
-              </a:rPr>
-              <a:t>.</a:t>
-            </a:r>
-            <a:endParaRPr lang="ko-KR" altLang="ko-KR" sz="1800" kern="100" dirty="0">
-              <a:effectLst/>
-              <a:latin typeface="맑은 고딕" panose="020B0503020000020004" pitchFamily="50" charset="-127"/>
-              <a:ea typeface="맑은 고딕" panose="020B0503020000020004" pitchFamily="50" charset="-127"/>
-              <a:cs typeface="Times New Roman" panose="02020603050405020304" pitchFamily="18" charset="0"/>
-            </a:endParaRPr>
-          </a:p>
-          <a:p>
-            <a:pPr marL="0" indent="0" algn="just" latinLnBrk="1">
-              <a:lnSpc>
-                <a:spcPct val="107000"/>
-              </a:lnSpc>
-              <a:spcAft>
-                <a:spcPts val="800"/>
-              </a:spcAft>
-              <a:buNone/>
-            </a:pPr>
-            <a:r>
-              <a:rPr lang="en-US" altLang="ko-KR" sz="1800" kern="100" dirty="0">
-                <a:effectLst/>
-                <a:latin typeface="맑은 고딕" panose="020B0503020000020004" pitchFamily="50" charset="-127"/>
-                <a:ea typeface="맑은 고딕" panose="020B0503020000020004" pitchFamily="50" charset="-127"/>
-                <a:cs typeface="Times New Roman" panose="02020603050405020304" pitchFamily="18" charset="0"/>
-              </a:rPr>
-              <a:t>- </a:t>
-            </a:r>
-            <a:r>
-              <a:rPr lang="ko-KR" altLang="en-US" sz="1800" kern="100" dirty="0">
-                <a:effectLst/>
-                <a:latin typeface="맑은 고딕" panose="020B0503020000020004" pitchFamily="50" charset="-127"/>
-                <a:ea typeface="맑은 고딕" panose="020B0503020000020004" pitchFamily="50" charset="-127"/>
-                <a:cs typeface="Times New Roman" panose="02020603050405020304" pitchFamily="18" charset="0"/>
-              </a:rPr>
-              <a:t>매장 연결 기능은 없음</a:t>
-            </a:r>
-            <a:r>
-              <a:rPr lang="en-US" altLang="ko-KR" sz="1800" kern="100" dirty="0">
-                <a:effectLst/>
-                <a:latin typeface="맑은 고딕" panose="020B0503020000020004" pitchFamily="50" charset="-127"/>
-                <a:ea typeface="맑은 고딕" panose="020B0503020000020004" pitchFamily="50" charset="-127"/>
-                <a:cs typeface="Times New Roman" panose="02020603050405020304" pitchFamily="18" charset="0"/>
-              </a:rPr>
-              <a:t>.</a:t>
-            </a:r>
           </a:p>
           <a:p>
             <a:pPr algn="just" latinLnBrk="1">
@@ -5384,7 +5379,25 @@
                 <a:ea typeface="맑은 고딕" panose="020B0503020000020004" pitchFamily="50" charset="-127"/>
                 <a:cs typeface="Times New Roman" panose="02020603050405020304" pitchFamily="18" charset="0"/>
               </a:rPr>
-              <a:t>단순 모델 사진 볼 수 있음</a:t>
+              <a:t>색상</a:t>
+            </a:r>
+            <a:r>
+              <a:rPr lang="en-US" altLang="ko-KR" sz="1800" kern="100" dirty="0">
+                <a:effectLst/>
+                <a:latin typeface="맑은 고딕" panose="020B0503020000020004" pitchFamily="50" charset="-127"/>
+                <a:ea typeface="맑은 고딕" panose="020B0503020000020004" pitchFamily="50" charset="-127"/>
+                <a:cs typeface="Times New Roman" panose="02020603050405020304" pitchFamily="18" charset="0"/>
+              </a:rPr>
+              <a:t>, </a:t>
+            </a:r>
+            <a:r>
+              <a:rPr lang="ko-KR" altLang="en-US" sz="1800" kern="100" dirty="0">
+                <a:effectLst/>
+                <a:latin typeface="맑은 고딕" panose="020B0503020000020004" pitchFamily="50" charset="-127"/>
+                <a:ea typeface="맑은 고딕" panose="020B0503020000020004" pitchFamily="50" charset="-127"/>
+                <a:cs typeface="Times New Roman" panose="02020603050405020304" pitchFamily="18" charset="0"/>
+              </a:rPr>
+              <a:t>스타일 등 내가 선호하는 취향을 직접 눌러서 검색하는 기능</a:t>
             </a:r>
             <a:r>
               <a:rPr lang="en-US" altLang="ko-KR" sz="1800" kern="100" dirty="0">
@@ -5395,6 +5408,11 @@
               </a:rPr>
               <a:t>.</a:t>
             </a:r>
+            <a:endParaRPr lang="en-US" altLang="ko-KR" sz="1800" kern="100" dirty="0">
+              <a:latin typeface="맑은 고딕" panose="020B0503020000020004" pitchFamily="50" charset="-127"/>
+              <a:ea typeface="맑은 고딕" panose="020B0503020000020004" pitchFamily="50" charset="-127"/>
+              <a:cs typeface="Times New Roman" panose="02020603050405020304" pitchFamily="18" charset="0"/>
+            </a:endParaRPr>
           </a:p>
           <a:p>
             <a:pPr algn="just" latinLnBrk="1">
@@ -5407,7 +5425,7 @@
               <a:buFontTx/>
               <a:buChar char="-"/>
             </a:pPr>
-            <a:endParaRPr lang="ko-KR" altLang="ko-KR" sz="1800" kern="100" dirty="0">
+            <a:endParaRPr lang="en-US" altLang="ko-KR" sz="1800" kern="100" dirty="0">
               <a:effectLst/>
               <a:latin typeface="맑은 고딕" panose="020B0503020000020004" pitchFamily="50" charset="-127"/>
               <a:ea typeface="맑은 고딕" panose="020B0503020000020004" pitchFamily="50" charset="-127"/>
@@ -5444,6 +5462,81 @@
             </a:r>
           </a:p>
           <a:p>
+            <a:pPr algn="just" latinLnBrk="1">
+              <a:lnSpc>
+                <a:spcPct val="107000"/>
+              </a:lnSpc>
+              <a:spcAft>
+                <a:spcPts val="800"/>
+              </a:spcAft>
+              <a:buFontTx/>
+              <a:buChar char="-"/>
+            </a:pPr>
+            <a:r>
+              <a:rPr lang="ko-KR" altLang="ko-KR" sz="1800" kern="100" dirty="0">
+                <a:effectLst/>
+                <a:latin typeface="맑은 고딕" panose="020B0503020000020004" pitchFamily="50" charset="-127"/>
+                <a:ea typeface="맑은 고딕" panose="020B0503020000020004" pitchFamily="50" charset="-127"/>
+                <a:cs typeface="Times New Roman" panose="02020603050405020304" pitchFamily="18" charset="0"/>
+              </a:rPr>
+              <a:t>내가 선호하는 스타일</a:t>
+            </a:r>
+            <a:r>
+              <a:rPr lang="en-US" altLang="ko-KR" sz="1800" kern="100" dirty="0">
+                <a:effectLst/>
+                <a:latin typeface="맑은 고딕" panose="020B0503020000020004" pitchFamily="50" charset="-127"/>
+                <a:ea typeface="맑은 고딕" panose="020B0503020000020004" pitchFamily="50" charset="-127"/>
+                <a:cs typeface="Times New Roman" panose="02020603050405020304" pitchFamily="18" charset="0"/>
+              </a:rPr>
+              <a:t>, </a:t>
+            </a:r>
+            <a:r>
+              <a:rPr lang="ko-KR" altLang="ko-KR" sz="1800" kern="100" dirty="0">
+                <a:effectLst/>
+                <a:latin typeface="맑은 고딕" panose="020B0503020000020004" pitchFamily="50" charset="-127"/>
+                <a:ea typeface="맑은 고딕" panose="020B0503020000020004" pitchFamily="50" charset="-127"/>
+                <a:cs typeface="Times New Roman" panose="02020603050405020304" pitchFamily="18" charset="0"/>
+              </a:rPr>
+              <a:t>색깔 등등</a:t>
+            </a:r>
+            <a:r>
+              <a:rPr lang="ko-KR" altLang="en-US" sz="1800" kern="100" dirty="0">
+                <a:effectLst/>
+                <a:latin typeface="맑은 고딕" panose="020B0503020000020004" pitchFamily="50" charset="-127"/>
+                <a:ea typeface="맑은 고딕" panose="020B0503020000020004" pitchFamily="50" charset="-127"/>
+                <a:cs typeface="Times New Roman" panose="02020603050405020304" pitchFamily="18" charset="0"/>
+              </a:rPr>
+              <a:t>을</a:t>
+            </a:r>
+            <a:r>
+              <a:rPr lang="ko-KR" altLang="ko-KR" sz="1800" kern="100" dirty="0">
+                <a:effectLst/>
+                <a:latin typeface="맑은 고딕" panose="020B0503020000020004" pitchFamily="50" charset="-127"/>
+                <a:ea typeface="맑은 고딕" panose="020B0503020000020004" pitchFamily="50" charset="-127"/>
+                <a:cs typeface="Times New Roman" panose="02020603050405020304" pitchFamily="18" charset="0"/>
+              </a:rPr>
+              <a:t> 미리 데이터로 저장</a:t>
+            </a:r>
+            <a:r>
+              <a:rPr lang="ko-KR" altLang="en-US" sz="1800" kern="100" dirty="0">
+                <a:effectLst/>
+                <a:latin typeface="맑은 고딕" panose="020B0503020000020004" pitchFamily="50" charset="-127"/>
+                <a:ea typeface="맑은 고딕" panose="020B0503020000020004" pitchFamily="50" charset="-127"/>
+                <a:cs typeface="Times New Roman" panose="02020603050405020304" pitchFamily="18" charset="0"/>
+              </a:rPr>
+              <a:t>해서  추천하는 기능</a:t>
+            </a:r>
+            <a:r>
+              <a:rPr lang="en-US" altLang="ko-KR" sz="1800" kern="100" dirty="0">
+                <a:effectLst/>
+                <a:latin typeface="맑은 고딕" panose="020B0503020000020004" pitchFamily="50" charset="-127"/>
+                <a:ea typeface="맑은 고딕" panose="020B0503020000020004" pitchFamily="50" charset="-127"/>
+                <a:cs typeface="Times New Roman" panose="02020603050405020304" pitchFamily="18" charset="0"/>
+              </a:rPr>
+              <a:t>.</a:t>
+            </a:r>
+          </a:p>
+          <a:p>
             <a:pPr marL="0" indent="0" algn="just" latinLnBrk="1">
               <a:lnSpc>
                 <a:spcPct val="107000"/>
@@ -5453,6 +5546,58 @@
               </a:spcAft>
               <a:buNone/>
             </a:pPr>
+            <a:endParaRPr lang="en-US" altLang="ko-KR" sz="1800" kern="100" dirty="0">
+              <a:effectLst/>
+              <a:latin typeface="맑은 고딕" panose="020B0503020000020004" pitchFamily="50" charset="-127"/>
+              <a:ea typeface="맑은 고딕" panose="020B0503020000020004" pitchFamily="50" charset="-127"/>
+              <a:cs typeface="Times New Roman" panose="02020603050405020304" pitchFamily="18" charset="0"/>
+            </a:endParaRPr>
+          </a:p>
+          <a:p>
+            <a:pPr marL="0" indent="0" algn="just" latinLnBrk="1">
+              <a:lnSpc>
+                <a:spcPct val="107000"/>
+              </a:lnSpc>
+              <a:spcAft>
+                <a:spcPts val="800"/>
+              </a:spcAft>
+              <a:buNone/>
+            </a:pPr>
+            <a:r>
+              <a:rPr lang="en-US" altLang="ko-KR" sz="1800" kern="100" dirty="0">
+                <a:effectLst/>
+                <a:latin typeface="맑은 고딕" panose="020B0503020000020004" pitchFamily="50" charset="-127"/>
+                <a:ea typeface="맑은 고딕" panose="020B0503020000020004" pitchFamily="50" charset="-127"/>
+                <a:cs typeface="Times New Roman" panose="02020603050405020304" pitchFamily="18" charset="0"/>
+              </a:rPr>
+              <a:t># </a:t>
+            </a:r>
+            <a:r>
+              <a:rPr lang="ko-KR" altLang="en-US" sz="1800" kern="100" dirty="0">
+                <a:effectLst/>
+                <a:latin typeface="맑은 고딕" panose="020B0503020000020004" pitchFamily="50" charset="-127"/>
+                <a:ea typeface="맑은 고딕" panose="020B0503020000020004" pitchFamily="50" charset="-127"/>
+                <a:cs typeface="Times New Roman" panose="02020603050405020304" pitchFamily="18" charset="0"/>
+              </a:rPr>
+              <a:t>추가 기능</a:t>
+            </a:r>
+            <a:endParaRPr lang="ko-KR" altLang="ko-KR" sz="1800" kern="100" dirty="0">
+              <a:effectLst/>
+              <a:latin typeface="맑은 고딕" panose="020B0503020000020004" pitchFamily="50" charset="-127"/>
+              <a:ea typeface="맑은 고딕" panose="020B0503020000020004" pitchFamily="50" charset="-127"/>
+              <a:cs typeface="Times New Roman" panose="02020603050405020304" pitchFamily="18" charset="0"/>
+            </a:endParaRPr>
+          </a:p>
+          <a:p>
+            <a:pPr marL="0" indent="0" algn="just" latinLnBrk="1">
+              <a:lnSpc>
+                <a:spcPct val="107000"/>
+              </a:lnSpc>
+              <a:spcAft>
+                <a:spcPts val="800"/>
+              </a:spcAft>
+              <a:buNone/>
+            </a:pPr>
             <a:r>
               <a:rPr lang="en-US" altLang="ko-KR" sz="1800" kern="100" dirty="0">
                 <a:effectLst/>
@@ -5469,68 +5614,8 @@
                 <a:ea typeface="맑은 고딕" panose="020B0503020000020004" pitchFamily="50" charset="-127"/>
                 <a:cs typeface="Times New Roman" panose="02020603050405020304" pitchFamily="18" charset="0"/>
               </a:rPr>
-              <a:t>내가 선호하는 스타일</a:t>
-            </a:r>
-            <a:r>
-              <a:rPr lang="en-US" altLang="ko-KR" sz="1800" kern="100" dirty="0">
-                <a:effectLst/>
-                <a:latin typeface="맑은 고딕" panose="020B0503020000020004" pitchFamily="50" charset="-127"/>
-                <a:ea typeface="맑은 고딕" panose="020B0503020000020004" pitchFamily="50" charset="-127"/>
-                <a:cs typeface="Times New Roman" panose="02020603050405020304" pitchFamily="18" charset="0"/>
-              </a:rPr>
-              <a:t>, </a:t>
-            </a:r>
-            <a:r>
-              <a:rPr lang="ko-KR" altLang="ko-KR" sz="1800" kern="100" dirty="0">
-                <a:effectLst/>
-                <a:latin typeface="맑은 고딕" panose="020B0503020000020004" pitchFamily="50" charset="-127"/>
-                <a:ea typeface="맑은 고딕" panose="020B0503020000020004" pitchFamily="50" charset="-127"/>
-                <a:cs typeface="Times New Roman" panose="02020603050405020304" pitchFamily="18" charset="0"/>
-              </a:rPr>
-              <a:t>색깔 등등</a:t>
-            </a:r>
-            <a:r>
-              <a:rPr lang="ko-KR" altLang="en-US" sz="1800" kern="100" dirty="0">
-                <a:effectLst/>
-                <a:latin typeface="맑은 고딕" panose="020B0503020000020004" pitchFamily="50" charset="-127"/>
-                <a:ea typeface="맑은 고딕" panose="020B0503020000020004" pitchFamily="50" charset="-127"/>
-                <a:cs typeface="Times New Roman" panose="02020603050405020304" pitchFamily="18" charset="0"/>
-              </a:rPr>
-              <a:t>을</a:t>
-            </a:r>
-            <a:r>
-              <a:rPr lang="ko-KR" altLang="ko-KR" sz="1800" kern="100" dirty="0">
-                <a:effectLst/>
-                <a:latin typeface="맑은 고딕" panose="020B0503020000020004" pitchFamily="50" charset="-127"/>
-                <a:ea typeface="맑은 고딕" panose="020B0503020000020004" pitchFamily="50" charset="-127"/>
-                <a:cs typeface="Times New Roman" panose="02020603050405020304" pitchFamily="18" charset="0"/>
-              </a:rPr>
-              <a:t> 미리 데이터로 저장</a:t>
-            </a:r>
-            <a:r>
-              <a:rPr lang="ko-KR" altLang="en-US" sz="1800" kern="100" dirty="0">
-                <a:effectLst/>
-                <a:latin typeface="맑은 고딕" panose="020B0503020000020004" pitchFamily="50" charset="-127"/>
-                <a:ea typeface="맑은 고딕" panose="020B0503020000020004" pitchFamily="50" charset="-127"/>
-                <a:cs typeface="Times New Roman" panose="02020603050405020304" pitchFamily="18" charset="0"/>
-              </a:rPr>
-              <a:t>해서 추천하는 기능</a:t>
-            </a:r>
-            <a:r>
-              <a:rPr lang="en-US" altLang="ko-KR" sz="1800" kern="100" dirty="0">
-                <a:effectLst/>
-                <a:latin typeface="맑은 고딕" panose="020B0503020000020004" pitchFamily="50" charset="-127"/>
-                <a:ea typeface="맑은 고딕" panose="020B0503020000020004" pitchFamily="50" charset="-127"/>
-                <a:cs typeface="Times New Roman" panose="02020603050405020304" pitchFamily="18" charset="0"/>
-              </a:rPr>
-              <a:t>.</a:t>
-            </a:r>
-            <a:endParaRPr lang="ko-KR" altLang="ko-KR" sz="1800" kern="100" dirty="0">
-              <a:effectLst/>
-              <a:latin typeface="맑은 고딕" panose="020B0503020000020004" pitchFamily="50" charset="-127"/>
-              <a:ea typeface="맑은 고딕" panose="020B0503020000020004" pitchFamily="50" charset="-127"/>
-              <a:cs typeface="Times New Roman" panose="02020603050405020304" pitchFamily="18" charset="0"/>
-            </a:endParaRPr>
+              <a:t>원하는 옷이 있는 가까운 매장 연결 기능</a:t>
+            </a:r>
           </a:p>
           <a:p>
             <a:pPr marL="0" indent="0" algn="just" latinLnBrk="1">
@@ -5552,35 +5637,6 @@
               <a:t>- </a:t>
             </a:r>
             <a:r>
-              <a:rPr lang="ko-KR" altLang="ko-KR" sz="1800" kern="100" dirty="0">
-                <a:effectLst/>
-                <a:latin typeface="맑은 고딕" panose="020B0503020000020004" pitchFamily="50" charset="-127"/>
-                <a:ea typeface="맑은 고딕" panose="020B0503020000020004" pitchFamily="50" charset="-127"/>
-                <a:cs typeface="Times New Roman" panose="02020603050405020304" pitchFamily="18" charset="0"/>
-              </a:rPr>
-              <a:t>원하는 옷이 있는 가까운 매장 연결 기능</a:t>
-            </a:r>
-          </a:p>
-          <a:p>
-            <a:pPr marL="0" indent="0" algn="just" latinLnBrk="1">
-              <a:lnSpc>
-                <a:spcPct val="107000"/>
-              </a:lnSpc>
-              <a:spcAft>
-                <a:spcPts val="800"/>
-              </a:spcAft>
-              <a:buNone/>
-            </a:pPr>
-            <a:r>
-              <a:rPr lang="en-US" altLang="ko-KR" sz="1800" kern="100" dirty="0">
-                <a:effectLst/>
-                <a:latin typeface="맑은 고딕" panose="020B0503020000020004" pitchFamily="50" charset="-127"/>
-                <a:ea typeface="맑은 고딕" panose="020B0503020000020004" pitchFamily="50" charset="-127"/>
-                <a:cs typeface="Times New Roman" panose="02020603050405020304" pitchFamily="18" charset="0"/>
-              </a:rPr>
-              <a:t>- </a:t>
-            </a:r>
-            <a:r>
               <a:rPr lang="ko-KR" altLang="en-US" sz="1800" kern="100" dirty="0">
                 <a:latin typeface="맑은 고딕" panose="020B0503020000020004" pitchFamily="50" charset="-127"/>
                 <a:ea typeface="맑은 고딕" panose="020B0503020000020004" pitchFamily="50" charset="-127"/>
@@ -5625,7 +5681,7 @@
               <a:t> 수</a:t>
             </a:r>
             <a:r>
-              <a:rPr lang="en-US" altLang="ko-KR" sz="1800" kern="100">
+              <a:rPr lang="en-US" altLang="ko-KR" sz="1800" kern="100" dirty="0">
                 <a:effectLst/>
                 <a:latin typeface="맑은 고딕" panose="020B0503020000020004" pitchFamily="50" charset="-127"/>
                 <a:ea typeface="맑은 고딕" panose="020B0503020000020004" pitchFamily="50" charset="-127"/>
@@ -5634,7 +5690,7 @@
               <a:t> </a:t>
             </a:r>
             <a:r>
-              <a:rPr lang="ko-KR" altLang="en-US" sz="1800" kern="100">
+              <a:rPr lang="ko-KR" altLang="en-US" sz="1800" kern="100" dirty="0">
                 <a:effectLst/>
                 <a:latin typeface="맑은 고딕" panose="020B0503020000020004" pitchFamily="50" charset="-127"/>
                 <a:ea typeface="맑은 고딕" panose="020B0503020000020004" pitchFamily="50" charset="-127"/>
@@ -5662,7 +5718,7 @@
         </p:nvSpPr>
         <p:spPr>
           <a:xfrm>
-            <a:off x="1141272" y="557940"/>
+            <a:off x="1141272" y="247975"/>
             <a:ext cx="9680854" cy="727936"/>
           </a:xfrm>
           <a:prstGeom prst="rect">
@@ -5707,6 +5763,893 @@
     <p:extLst>
       <p:ext uri="{BB962C8B-B14F-4D97-AF65-F5344CB8AC3E}">
         <p14:creationId xmlns:p14="http://schemas.microsoft.com/office/powerpoint/2010/main" val="2745331797"/>
+      </p:ext>
+    </p:extLst>
+  </p:cSld>
+  <p:clrMapOvr>
+    <a:masterClrMapping/>
+  </p:clrMapOvr>
+</p:sld>
+</file>
+
+<file path=ppt/slides/slide5.xml><?xml version="1.0" encoding="utf-8"?>
+<p:sld xmlns:a="http://schemas.openxmlformats.org/drawingml/2006/main" xmlns:r="http://schemas.openxmlformats.org/officeDocument/2006/relationships" xmlns:p="http://schemas.openxmlformats.org/presentationml/2006/main">
+  <p:cSld>
+    <p:spTree>
+      <p:nvGrpSpPr>
+        <p:cNvPr id="1" name=""/>
+        <p:cNvGrpSpPr/>
+        <p:nvPr/>
+      </p:nvGrpSpPr>
+      <p:grpSpPr>
+        <a:xfrm>
+          <a:off x="0" y="0"/>
+          <a:ext cx="0" cy="0"/>
+          <a:chOff x="0" y="0"/>
+          <a:chExt cx="0" cy="0"/>
+        </a:xfrm>
+      </p:grpSpPr>
+      <p:sp>
+        <p:nvSpPr>
+          <p:cNvPr id="4" name="Holder 2">
+            <a:extLst>
+              <a:ext uri="{FF2B5EF4-FFF2-40B4-BE49-F238E27FC236}">
+                <a16:creationId xmlns:a16="http://schemas.microsoft.com/office/drawing/2014/main" id="{15F87C47-70CA-428D-8972-BEA8D91B02BF}"/>
+              </a:ext>
+            </a:extLst>
+          </p:cNvPr>
+          <p:cNvSpPr txBox="1">
+            <a:spLocks/>
+          </p:cNvSpPr>
+          <p:nvPr/>
+        </p:nvSpPr>
+        <p:spPr>
+          <a:xfrm>
+            <a:off x="1141272" y="247975"/>
+            <a:ext cx="9680854" cy="727936"/>
+          </a:xfrm>
+          <a:prstGeom prst="rect">
+            <a:avLst/>
+          </a:prstGeom>
+        </p:spPr>
+        <p:txBody>
+          <a:bodyPr vert="horz" lIns="91440" tIns="45720" rIns="91440" bIns="45720" rtlCol="0" anchor="ctr">
+            <a:normAutofit/>
+          </a:bodyPr>
+          <a:lstStyle>
+            <a:lvl1pPr algn="l" defTabSz="914400" rtl="0" eaLnBrk="1" latinLnBrk="1" hangingPunct="1">
+              <a:lnSpc>
+                <a:spcPct val="90000"/>
+              </a:lnSpc>
+              <a:spcBef>
+                <a:spcPct val="0"/>
+              </a:spcBef>
+              <a:buNone/>
+              <a:defRPr sz="4400" kern="1200">
+                <a:solidFill>
+                  <a:schemeClr val="tx1"/>
+                </a:solidFill>
+                <a:latin typeface="+mj-lt"/>
+                <a:ea typeface="+mj-ea"/>
+                <a:cs typeface="+mj-cs"/>
+              </a:defRPr>
+            </a:lvl1pPr>
+          </a:lstStyle>
+          <a:p>
+            <a:pPr>
+              <a:defRPr lang="ko-KR" altLang="en-US"/>
+            </a:pPr>
+            <a:r>
+              <a:rPr lang="ko-KR" altLang="en-US" dirty="0"/>
+              <a:t>최적해 도덕성 평가</a:t>
+            </a:r>
+          </a:p>
+        </p:txBody>
+      </p:sp>
+      <p:sp>
+        <p:nvSpPr>
+          <p:cNvPr id="8" name="object 8">
+            <a:extLst>
+              <a:ext uri="{FF2B5EF4-FFF2-40B4-BE49-F238E27FC236}">
+                <a16:creationId xmlns:a16="http://schemas.microsoft.com/office/drawing/2014/main" id="{BA6FDBFD-8075-4539-AC55-466334115ADD}"/>
+              </a:ext>
+            </a:extLst>
+          </p:cNvPr>
+          <p:cNvSpPr/>
+          <p:nvPr/>
+        </p:nvSpPr>
+        <p:spPr>
+          <a:xfrm>
+            <a:off x="1093060" y="1315393"/>
+            <a:ext cx="9800531" cy="5242355"/>
+          </a:xfrm>
+          <a:prstGeom prst="rect">
+            <a:avLst/>
+          </a:prstGeom>
+          <a:blipFill>
+            <a:blip r:embed="rId2" cstate="print"/>
+            <a:stretch>
+              <a:fillRect/>
+            </a:stretch>
+          </a:blipFill>
+        </p:spPr>
+        <p:txBody>
+          <a:bodyPr wrap="square" lIns="0" tIns="0" rIns="0" bIns="0" rtlCol="0"/>
+          <a:lstStyle/>
+          <a:p>
+            <a:endParaRPr/>
+          </a:p>
+        </p:txBody>
+      </p:sp>
+      <p:sp>
+        <p:nvSpPr>
+          <p:cNvPr id="9" name="타원 8">
+            <a:extLst>
+              <a:ext uri="{FF2B5EF4-FFF2-40B4-BE49-F238E27FC236}">
+                <a16:creationId xmlns:a16="http://schemas.microsoft.com/office/drawing/2014/main" id="{E9001A53-F836-43C7-9007-99E8425803D5}"/>
+              </a:ext>
+            </a:extLst>
+          </p:cNvPr>
+          <p:cNvSpPr/>
+          <p:nvPr/>
+        </p:nvSpPr>
+        <p:spPr>
+          <a:xfrm>
+            <a:off x="9391974" y="2572719"/>
+            <a:ext cx="511443" cy="495946"/>
+          </a:xfrm>
+          <a:prstGeom prst="ellipse">
+            <a:avLst/>
+          </a:prstGeom>
+          <a:noFill/>
+          <a:ln w="76200"/>
+        </p:spPr>
+        <p:style>
+          <a:lnRef idx="2">
+            <a:schemeClr val="accent1">
+              <a:shade val="50000"/>
+            </a:schemeClr>
+          </a:lnRef>
+          <a:fillRef idx="1">
+            <a:schemeClr val="accent1"/>
+          </a:fillRef>
+          <a:effectRef idx="0">
+            <a:schemeClr val="accent1"/>
+          </a:effectRef>
+          <a:fontRef idx="minor">
+            <a:schemeClr val="lt1"/>
+          </a:fontRef>
+        </p:style>
+        <p:txBody>
+          <a:bodyPr rtlCol="0" anchor="ctr"/>
+          <a:lstStyle/>
+          <a:p>
+            <a:pPr algn="ctr"/>
+            <a:endParaRPr lang="ko-KR" altLang="en-US"/>
+          </a:p>
+        </p:txBody>
+      </p:sp>
+      <p:sp>
+        <p:nvSpPr>
+          <p:cNvPr id="10" name="타원 9">
+            <a:extLst>
+              <a:ext uri="{FF2B5EF4-FFF2-40B4-BE49-F238E27FC236}">
+                <a16:creationId xmlns:a16="http://schemas.microsoft.com/office/drawing/2014/main" id="{BE1CCC81-BEF6-49B0-AD2F-36D5CC829DF8}"/>
+              </a:ext>
+            </a:extLst>
+          </p:cNvPr>
+          <p:cNvSpPr/>
+          <p:nvPr/>
+        </p:nvSpPr>
+        <p:spPr>
+          <a:xfrm>
+            <a:off x="9404890" y="3159074"/>
+            <a:ext cx="511443" cy="495946"/>
+          </a:xfrm>
+          <a:prstGeom prst="ellipse">
+            <a:avLst/>
+          </a:prstGeom>
+          <a:noFill/>
+          <a:ln w="76200"/>
+        </p:spPr>
+        <p:style>
+          <a:lnRef idx="2">
+            <a:schemeClr val="accent1">
+              <a:shade val="50000"/>
+            </a:schemeClr>
+          </a:lnRef>
+          <a:fillRef idx="1">
+            <a:schemeClr val="accent1"/>
+          </a:fillRef>
+          <a:effectRef idx="0">
+            <a:schemeClr val="accent1"/>
+          </a:effectRef>
+          <a:fontRef idx="minor">
+            <a:schemeClr val="lt1"/>
+          </a:fontRef>
+        </p:style>
+        <p:txBody>
+          <a:bodyPr rtlCol="0" anchor="ctr"/>
+          <a:lstStyle/>
+          <a:p>
+            <a:pPr algn="ctr"/>
+            <a:endParaRPr lang="ko-KR" altLang="en-US"/>
+          </a:p>
+        </p:txBody>
+      </p:sp>
+      <p:sp>
+        <p:nvSpPr>
+          <p:cNvPr id="11" name="타원 10">
+            <a:extLst>
+              <a:ext uri="{FF2B5EF4-FFF2-40B4-BE49-F238E27FC236}">
+                <a16:creationId xmlns:a16="http://schemas.microsoft.com/office/drawing/2014/main" id="{08F3C5ED-3A01-4B9A-8C13-10363FFA36F1}"/>
+              </a:ext>
+            </a:extLst>
+          </p:cNvPr>
+          <p:cNvSpPr/>
+          <p:nvPr/>
+        </p:nvSpPr>
+        <p:spPr>
+          <a:xfrm>
+            <a:off x="9893087" y="3688598"/>
+            <a:ext cx="511443" cy="495946"/>
+          </a:xfrm>
+          <a:prstGeom prst="ellipse">
+            <a:avLst/>
+          </a:prstGeom>
+          <a:noFill/>
+          <a:ln w="76200"/>
+        </p:spPr>
+        <p:style>
+          <a:lnRef idx="2">
+            <a:schemeClr val="accent1">
+              <a:shade val="50000"/>
+            </a:schemeClr>
+          </a:lnRef>
+          <a:fillRef idx="1">
+            <a:schemeClr val="accent1"/>
+          </a:fillRef>
+          <a:effectRef idx="0">
+            <a:schemeClr val="accent1"/>
+          </a:effectRef>
+          <a:fontRef idx="minor">
+            <a:schemeClr val="lt1"/>
+          </a:fontRef>
+        </p:style>
+        <p:txBody>
+          <a:bodyPr rtlCol="0" anchor="ctr"/>
+          <a:lstStyle/>
+          <a:p>
+            <a:pPr algn="ctr"/>
+            <a:endParaRPr lang="ko-KR" altLang="en-US"/>
+          </a:p>
+        </p:txBody>
+      </p:sp>
+      <p:sp>
+        <p:nvSpPr>
+          <p:cNvPr id="12" name="타원 11">
+            <a:extLst>
+              <a:ext uri="{FF2B5EF4-FFF2-40B4-BE49-F238E27FC236}">
+                <a16:creationId xmlns:a16="http://schemas.microsoft.com/office/drawing/2014/main" id="{CDA3520F-5655-44C9-9019-3FA0F55532F7}"/>
+              </a:ext>
+            </a:extLst>
+          </p:cNvPr>
+          <p:cNvSpPr/>
+          <p:nvPr/>
+        </p:nvSpPr>
+        <p:spPr>
+          <a:xfrm>
+            <a:off x="9386809" y="4250413"/>
+            <a:ext cx="511443" cy="495946"/>
+          </a:xfrm>
+          <a:prstGeom prst="ellipse">
+            <a:avLst/>
+          </a:prstGeom>
+          <a:noFill/>
+          <a:ln w="76200"/>
+        </p:spPr>
+        <p:style>
+          <a:lnRef idx="2">
+            <a:schemeClr val="accent1">
+              <a:shade val="50000"/>
+            </a:schemeClr>
+          </a:lnRef>
+          <a:fillRef idx="1">
+            <a:schemeClr val="accent1"/>
+          </a:fillRef>
+          <a:effectRef idx="0">
+            <a:schemeClr val="accent1"/>
+          </a:effectRef>
+          <a:fontRef idx="minor">
+            <a:schemeClr val="lt1"/>
+          </a:fontRef>
+        </p:style>
+        <p:txBody>
+          <a:bodyPr rtlCol="0" anchor="ctr"/>
+          <a:lstStyle/>
+          <a:p>
+            <a:pPr algn="ctr"/>
+            <a:endParaRPr lang="ko-KR" altLang="en-US"/>
+          </a:p>
+        </p:txBody>
+      </p:sp>
+      <p:sp>
+        <p:nvSpPr>
+          <p:cNvPr id="13" name="타원 12">
+            <a:extLst>
+              <a:ext uri="{FF2B5EF4-FFF2-40B4-BE49-F238E27FC236}">
+                <a16:creationId xmlns:a16="http://schemas.microsoft.com/office/drawing/2014/main" id="{DE66317F-213C-4065-933E-4175D22C1E6D}"/>
+              </a:ext>
+            </a:extLst>
+          </p:cNvPr>
+          <p:cNvSpPr/>
+          <p:nvPr/>
+        </p:nvSpPr>
+        <p:spPr>
+          <a:xfrm>
+            <a:off x="9399725" y="4836768"/>
+            <a:ext cx="511443" cy="495946"/>
+          </a:xfrm>
+          <a:prstGeom prst="ellipse">
+            <a:avLst/>
+          </a:prstGeom>
+          <a:noFill/>
+          <a:ln w="76200"/>
+        </p:spPr>
+        <p:style>
+          <a:lnRef idx="2">
+            <a:schemeClr val="accent1">
+              <a:shade val="50000"/>
+            </a:schemeClr>
+          </a:lnRef>
+          <a:fillRef idx="1">
+            <a:schemeClr val="accent1"/>
+          </a:fillRef>
+          <a:effectRef idx="0">
+            <a:schemeClr val="accent1"/>
+          </a:effectRef>
+          <a:fontRef idx="minor">
+            <a:schemeClr val="lt1"/>
+          </a:fontRef>
+        </p:style>
+        <p:txBody>
+          <a:bodyPr rtlCol="0" anchor="ctr"/>
+          <a:lstStyle/>
+          <a:p>
+            <a:pPr algn="ctr"/>
+            <a:endParaRPr lang="ko-KR" altLang="en-US"/>
+          </a:p>
+        </p:txBody>
+      </p:sp>
+      <p:sp>
+        <p:nvSpPr>
+          <p:cNvPr id="14" name="타원 13">
+            <a:extLst>
+              <a:ext uri="{FF2B5EF4-FFF2-40B4-BE49-F238E27FC236}">
+                <a16:creationId xmlns:a16="http://schemas.microsoft.com/office/drawing/2014/main" id="{0CB29800-E4E3-4A6B-AB96-99BA8559F2E6}"/>
+              </a:ext>
+            </a:extLst>
+          </p:cNvPr>
+          <p:cNvSpPr/>
+          <p:nvPr/>
+        </p:nvSpPr>
+        <p:spPr>
+          <a:xfrm>
+            <a:off x="9880170" y="5392547"/>
+            <a:ext cx="511443" cy="495946"/>
+          </a:xfrm>
+          <a:prstGeom prst="ellipse">
+            <a:avLst/>
+          </a:prstGeom>
+          <a:noFill/>
+          <a:ln w="76200"/>
+        </p:spPr>
+        <p:style>
+          <a:lnRef idx="2">
+            <a:schemeClr val="accent1">
+              <a:shade val="50000"/>
+            </a:schemeClr>
+          </a:lnRef>
+          <a:fillRef idx="1">
+            <a:schemeClr val="accent1"/>
+          </a:fillRef>
+          <a:effectRef idx="0">
+            <a:schemeClr val="accent1"/>
+          </a:effectRef>
+          <a:fontRef idx="minor">
+            <a:schemeClr val="lt1"/>
+          </a:fontRef>
+        </p:style>
+        <p:txBody>
+          <a:bodyPr rtlCol="0" anchor="ctr"/>
+          <a:lstStyle/>
+          <a:p>
+            <a:pPr algn="ctr"/>
+            <a:endParaRPr lang="ko-KR" altLang="en-US"/>
+          </a:p>
+        </p:txBody>
+      </p:sp>
+      <p:sp>
+        <p:nvSpPr>
+          <p:cNvPr id="15" name="타원 14">
+            <a:extLst>
+              <a:ext uri="{FF2B5EF4-FFF2-40B4-BE49-F238E27FC236}">
+                <a16:creationId xmlns:a16="http://schemas.microsoft.com/office/drawing/2014/main" id="{BF522A3B-3381-4117-A46D-E57CD9B0748C}"/>
+              </a:ext>
+            </a:extLst>
+          </p:cNvPr>
+          <p:cNvSpPr/>
+          <p:nvPr/>
+        </p:nvSpPr>
+        <p:spPr>
+          <a:xfrm>
+            <a:off x="9893087" y="5913284"/>
+            <a:ext cx="511443" cy="495946"/>
+          </a:xfrm>
+          <a:prstGeom prst="ellipse">
+            <a:avLst/>
+          </a:prstGeom>
+          <a:noFill/>
+          <a:ln w="76200"/>
+        </p:spPr>
+        <p:style>
+          <a:lnRef idx="2">
+            <a:schemeClr val="accent1">
+              <a:shade val="50000"/>
+            </a:schemeClr>
+          </a:lnRef>
+          <a:fillRef idx="1">
+            <a:schemeClr val="accent1"/>
+          </a:fillRef>
+          <a:effectRef idx="0">
+            <a:schemeClr val="accent1"/>
+          </a:effectRef>
+          <a:fontRef idx="minor">
+            <a:schemeClr val="lt1"/>
+          </a:fontRef>
+        </p:style>
+        <p:txBody>
+          <a:bodyPr rtlCol="0" anchor="ctr"/>
+          <a:lstStyle/>
+          <a:p>
+            <a:pPr algn="ctr"/>
+            <a:endParaRPr lang="ko-KR" altLang="en-US"/>
+          </a:p>
+        </p:txBody>
+      </p:sp>
+      <p:sp>
+        <p:nvSpPr>
+          <p:cNvPr id="16" name="TextBox 15">
+            <a:extLst>
+              <a:ext uri="{FF2B5EF4-FFF2-40B4-BE49-F238E27FC236}">
+                <a16:creationId xmlns:a16="http://schemas.microsoft.com/office/drawing/2014/main" id="{E4A36B44-56C4-425A-AEDE-47D99AB879A4}"/>
+              </a:ext>
+            </a:extLst>
+          </p:cNvPr>
+          <p:cNvSpPr txBox="1"/>
+          <p:nvPr/>
+        </p:nvSpPr>
+        <p:spPr>
+          <a:xfrm>
+            <a:off x="9066508" y="1952786"/>
+            <a:ext cx="2032432" cy="646331"/>
+          </a:xfrm>
+          <a:prstGeom prst="rect">
+            <a:avLst/>
+          </a:prstGeom>
+          <a:noFill/>
+        </p:spPr>
+        <p:txBody>
+          <a:bodyPr wrap="square" rtlCol="0">
+            <a:spAutoFit/>
+          </a:bodyPr>
+          <a:lstStyle/>
+          <a:p>
+            <a:r>
+              <a:rPr lang="ko-KR" altLang="en-US" dirty="0"/>
+              <a:t>불편함 해소 및 </a:t>
+            </a:r>
+            <a:endParaRPr lang="en-US" altLang="ko-KR" dirty="0"/>
+          </a:p>
+          <a:p>
+            <a:r>
+              <a:rPr lang="ko-KR" altLang="en-US" dirty="0"/>
+              <a:t>편의성 증대</a:t>
+            </a:r>
+          </a:p>
+        </p:txBody>
+      </p:sp>
+    </p:spTree>
+    <p:extLst>
+      <p:ext uri="{BB962C8B-B14F-4D97-AF65-F5344CB8AC3E}">
+        <p14:creationId xmlns:p14="http://schemas.microsoft.com/office/powerpoint/2010/main" val="4405665"/>
+      </p:ext>
+    </p:extLst>
+  </p:cSld>
+  <p:clrMapOvr>
+    <a:masterClrMapping/>
+  </p:clrMapOvr>
+</p:sld>
+</file>
+
+<file path=ppt/slides/slide6.xml><?xml version="1.0" encoding="utf-8"?>
+<p:sld xmlns:a="http://schemas.openxmlformats.org/drawingml/2006/main" xmlns:r="http://schemas.openxmlformats.org/officeDocument/2006/relationships" xmlns:p="http://schemas.openxmlformats.org/presentationml/2006/main">
+  <p:cSld>
+    <p:spTree>
+      <p:nvGrpSpPr>
+        <p:cNvPr id="1" name=""/>
+        <p:cNvGrpSpPr/>
+        <p:nvPr/>
+      </p:nvGrpSpPr>
+      <p:grpSpPr>
+        <a:xfrm>
+          <a:off x="0" y="0"/>
+          <a:ext cx="0" cy="0"/>
+          <a:chOff x="0" y="0"/>
+          <a:chExt cx="0" cy="0"/>
+        </a:xfrm>
+      </p:grpSpPr>
+      <p:sp>
+        <p:nvSpPr>
+          <p:cNvPr id="4" name="Holder 2">
+            <a:extLst>
+              <a:ext uri="{FF2B5EF4-FFF2-40B4-BE49-F238E27FC236}">
+                <a16:creationId xmlns:a16="http://schemas.microsoft.com/office/drawing/2014/main" id="{15F87C47-70CA-428D-8972-BEA8D91B02BF}"/>
+              </a:ext>
+            </a:extLst>
+          </p:cNvPr>
+          <p:cNvSpPr txBox="1">
+            <a:spLocks/>
+          </p:cNvSpPr>
+          <p:nvPr/>
+        </p:nvSpPr>
+        <p:spPr>
+          <a:xfrm>
+            <a:off x="1141272" y="247975"/>
+            <a:ext cx="9680854" cy="727936"/>
+          </a:xfrm>
+          <a:prstGeom prst="rect">
+            <a:avLst/>
+          </a:prstGeom>
+        </p:spPr>
+        <p:txBody>
+          <a:bodyPr vert="horz" lIns="91440" tIns="45720" rIns="91440" bIns="45720" rtlCol="0" anchor="ctr">
+            <a:normAutofit/>
+          </a:bodyPr>
+          <a:lstStyle>
+            <a:lvl1pPr algn="l" defTabSz="914400" rtl="0" eaLnBrk="1" latinLnBrk="1" hangingPunct="1">
+              <a:lnSpc>
+                <a:spcPct val="90000"/>
+              </a:lnSpc>
+              <a:spcBef>
+                <a:spcPct val="0"/>
+              </a:spcBef>
+              <a:buNone/>
+              <a:defRPr sz="4400" kern="1200">
+                <a:solidFill>
+                  <a:schemeClr val="tx1"/>
+                </a:solidFill>
+                <a:latin typeface="+mj-lt"/>
+                <a:ea typeface="+mj-ea"/>
+                <a:cs typeface="+mj-cs"/>
+              </a:defRPr>
+            </a:lvl1pPr>
+          </a:lstStyle>
+          <a:p>
+            <a:pPr>
+              <a:defRPr lang="ko-KR" altLang="en-US"/>
+            </a:pPr>
+            <a:r>
+              <a:rPr lang="ko-KR" altLang="en-US" dirty="0"/>
+              <a:t>최적해 안전성 평가</a:t>
+            </a:r>
+          </a:p>
+        </p:txBody>
+      </p:sp>
+      <p:pic>
+        <p:nvPicPr>
+          <p:cNvPr id="7" name="Picture 2" descr="D:\Dropbox\@200714_한빛_김평화_MySQL로 배우는 데이터베이스 개론과 실습\그림,표\8장\(354p) 표 8-19.jpg">
+            <a:extLst>
+              <a:ext uri="{FF2B5EF4-FFF2-40B4-BE49-F238E27FC236}">
+                <a16:creationId xmlns:a16="http://schemas.microsoft.com/office/drawing/2014/main" id="{03B6F4A9-84A4-4B39-B57C-4A605A11D91F}"/>
+              </a:ext>
+            </a:extLst>
+          </p:cNvPr>
+          <p:cNvPicPr>
+            <a:picLocks noChangeAspect="1" noChangeArrowheads="1"/>
+          </p:cNvPicPr>
+          <p:nvPr/>
+        </p:nvPicPr>
+        <p:blipFill>
+          <a:blip r:embed="rId2">
+            <a:extLst>
+              <a:ext uri="{28A0092B-C50C-407E-A947-70E740481C1C}">
+                <a14:useLocalDpi xmlns:a14="http://schemas.microsoft.com/office/drawing/2010/main" val="0"/>
+              </a:ext>
+            </a:extLst>
+          </a:blip>
+          <a:srcRect t="13454"/>
+          <a:stretch>
+            <a:fillRect/>
+          </a:stretch>
+        </p:blipFill>
+        <p:spPr bwMode="auto">
+          <a:xfrm>
+            <a:off x="769311" y="1921791"/>
+            <a:ext cx="10946463" cy="3495062"/>
+          </a:xfrm>
+          <a:prstGeom prst="rect">
+            <a:avLst/>
+          </a:prstGeom>
+          <a:noFill/>
+          <a:ln>
+            <a:noFill/>
+          </a:ln>
+          <a:extLst>
+            <a:ext uri="{909E8E84-426E-40DD-AFC4-6F175D3DCCD1}">
+              <a14:hiddenFill xmlns:a14="http://schemas.microsoft.com/office/drawing/2010/main">
+                <a:solidFill>
+                  <a:srgbClr val="FFFFFF"/>
+                </a:solidFill>
+              </a14:hiddenFill>
+            </a:ext>
+            <a:ext uri="{91240B29-F687-4F45-9708-019B960494DF}">
+              <a14:hiddenLine xmlns:a14="http://schemas.microsoft.com/office/drawing/2010/main" w="9525">
+                <a:solidFill>
+                  <a:srgbClr val="000000"/>
+                </a:solidFill>
+                <a:miter lim="800000"/>
+                <a:headEnd/>
+                <a:tailEnd/>
+              </a14:hiddenLine>
+            </a:ext>
+          </a:extLst>
+        </p:spPr>
+      </p:pic>
+      <p:sp>
+        <p:nvSpPr>
+          <p:cNvPr id="6" name="타원 5">
+            <a:extLst>
+              <a:ext uri="{FF2B5EF4-FFF2-40B4-BE49-F238E27FC236}">
+                <a16:creationId xmlns:a16="http://schemas.microsoft.com/office/drawing/2014/main" id="{FF8D2718-1BA0-44F5-B3BF-F0E748E22ED2}"/>
+              </a:ext>
+            </a:extLst>
+          </p:cNvPr>
+          <p:cNvSpPr/>
+          <p:nvPr/>
+        </p:nvSpPr>
+        <p:spPr>
+          <a:xfrm>
+            <a:off x="10566404" y="2980421"/>
+            <a:ext cx="511443" cy="495946"/>
+          </a:xfrm>
+          <a:prstGeom prst="ellipse">
+            <a:avLst/>
+          </a:prstGeom>
+          <a:noFill/>
+          <a:ln w="76200"/>
+        </p:spPr>
+        <p:style>
+          <a:lnRef idx="2">
+            <a:schemeClr val="accent1">
+              <a:shade val="50000"/>
+            </a:schemeClr>
+          </a:lnRef>
+          <a:fillRef idx="1">
+            <a:schemeClr val="accent1"/>
+          </a:fillRef>
+          <a:effectRef idx="0">
+            <a:schemeClr val="accent1"/>
+          </a:effectRef>
+          <a:fontRef idx="minor">
+            <a:schemeClr val="lt1"/>
+          </a:fontRef>
+        </p:style>
+        <p:txBody>
+          <a:bodyPr rtlCol="0" anchor="ctr"/>
+          <a:lstStyle/>
+          <a:p>
+            <a:pPr algn="ctr"/>
+            <a:endParaRPr lang="ko-KR" altLang="en-US"/>
+          </a:p>
+        </p:txBody>
+      </p:sp>
+      <p:sp>
+        <p:nvSpPr>
+          <p:cNvPr id="9" name="타원 8">
+            <a:extLst>
+              <a:ext uri="{FF2B5EF4-FFF2-40B4-BE49-F238E27FC236}">
+                <a16:creationId xmlns:a16="http://schemas.microsoft.com/office/drawing/2014/main" id="{1D6F7FA2-A8CF-4BB0-89C8-F6A303475844}"/>
+              </a:ext>
+            </a:extLst>
+          </p:cNvPr>
+          <p:cNvSpPr/>
+          <p:nvPr/>
+        </p:nvSpPr>
+        <p:spPr>
+          <a:xfrm>
+            <a:off x="10143643" y="3581406"/>
+            <a:ext cx="511443" cy="495946"/>
+          </a:xfrm>
+          <a:prstGeom prst="ellipse">
+            <a:avLst/>
+          </a:prstGeom>
+          <a:noFill/>
+          <a:ln w="76200"/>
+        </p:spPr>
+        <p:style>
+          <a:lnRef idx="2">
+            <a:schemeClr val="accent1">
+              <a:shade val="50000"/>
+            </a:schemeClr>
+          </a:lnRef>
+          <a:fillRef idx="1">
+            <a:schemeClr val="accent1"/>
+          </a:fillRef>
+          <a:effectRef idx="0">
+            <a:schemeClr val="accent1"/>
+          </a:effectRef>
+          <a:fontRef idx="minor">
+            <a:schemeClr val="lt1"/>
+          </a:fontRef>
+        </p:style>
+        <p:txBody>
+          <a:bodyPr rtlCol="0" anchor="ctr"/>
+          <a:lstStyle/>
+          <a:p>
+            <a:pPr algn="ctr"/>
+            <a:endParaRPr lang="ko-KR" altLang="en-US"/>
+          </a:p>
+        </p:txBody>
+      </p:sp>
+      <p:sp>
+        <p:nvSpPr>
+          <p:cNvPr id="10" name="타원 9">
+            <a:extLst>
+              <a:ext uri="{FF2B5EF4-FFF2-40B4-BE49-F238E27FC236}">
+                <a16:creationId xmlns:a16="http://schemas.microsoft.com/office/drawing/2014/main" id="{B8CFFB8A-DE94-4ACC-9860-5B269136D28E}"/>
+              </a:ext>
+            </a:extLst>
+          </p:cNvPr>
+          <p:cNvSpPr/>
+          <p:nvPr/>
+        </p:nvSpPr>
+        <p:spPr>
+          <a:xfrm>
+            <a:off x="10143643" y="4122555"/>
+            <a:ext cx="511443" cy="495946"/>
+          </a:xfrm>
+          <a:prstGeom prst="ellipse">
+            <a:avLst/>
+          </a:prstGeom>
+          <a:noFill/>
+          <a:ln w="76200"/>
+        </p:spPr>
+        <p:style>
+          <a:lnRef idx="2">
+            <a:schemeClr val="accent1">
+              <a:shade val="50000"/>
+            </a:schemeClr>
+          </a:lnRef>
+          <a:fillRef idx="1">
+            <a:schemeClr val="accent1"/>
+          </a:fillRef>
+          <a:effectRef idx="0">
+            <a:schemeClr val="accent1"/>
+          </a:effectRef>
+          <a:fontRef idx="minor">
+            <a:schemeClr val="lt1"/>
+          </a:fontRef>
+        </p:style>
+        <p:txBody>
+          <a:bodyPr rtlCol="0" anchor="ctr"/>
+          <a:lstStyle/>
+          <a:p>
+            <a:pPr algn="ctr"/>
+            <a:endParaRPr lang="ko-KR" altLang="en-US"/>
+          </a:p>
+        </p:txBody>
+      </p:sp>
+      <p:sp>
+        <p:nvSpPr>
+          <p:cNvPr id="11" name="타원 10">
+            <a:extLst>
+              <a:ext uri="{FF2B5EF4-FFF2-40B4-BE49-F238E27FC236}">
+                <a16:creationId xmlns:a16="http://schemas.microsoft.com/office/drawing/2014/main" id="{CBA8FB02-CAB6-481E-9DC9-CB7CBA031CD5}"/>
+              </a:ext>
+            </a:extLst>
+          </p:cNvPr>
+          <p:cNvSpPr/>
+          <p:nvPr/>
+        </p:nvSpPr>
+        <p:spPr>
+          <a:xfrm>
+            <a:off x="10143642" y="4723540"/>
+            <a:ext cx="511443" cy="495946"/>
+          </a:xfrm>
+          <a:prstGeom prst="ellipse">
+            <a:avLst/>
+          </a:prstGeom>
+          <a:noFill/>
+          <a:ln w="76200"/>
+        </p:spPr>
+        <p:style>
+          <a:lnRef idx="2">
+            <a:schemeClr val="accent1">
+              <a:shade val="50000"/>
+            </a:schemeClr>
+          </a:lnRef>
+          <a:fillRef idx="1">
+            <a:schemeClr val="accent1"/>
+          </a:fillRef>
+          <a:effectRef idx="0">
+            <a:schemeClr val="accent1"/>
+          </a:effectRef>
+          <a:fontRef idx="minor">
+            <a:schemeClr val="lt1"/>
+          </a:fontRef>
+        </p:style>
+        <p:txBody>
+          <a:bodyPr rtlCol="0" anchor="ctr"/>
+          <a:lstStyle/>
+          <a:p>
+            <a:pPr algn="ctr"/>
+            <a:endParaRPr lang="ko-KR" altLang="en-US"/>
+          </a:p>
+        </p:txBody>
+      </p:sp>
+      <p:sp>
+        <p:nvSpPr>
+          <p:cNvPr id="12" name="타원 11">
+            <a:extLst>
+              <a:ext uri="{FF2B5EF4-FFF2-40B4-BE49-F238E27FC236}">
+                <a16:creationId xmlns:a16="http://schemas.microsoft.com/office/drawing/2014/main" id="{4AF27187-B015-4309-8A33-87E206305D0F}"/>
+              </a:ext>
+            </a:extLst>
+          </p:cNvPr>
+          <p:cNvSpPr/>
+          <p:nvPr/>
+        </p:nvSpPr>
+        <p:spPr>
+          <a:xfrm>
+            <a:off x="10586211" y="2535081"/>
+            <a:ext cx="511443" cy="495946"/>
+          </a:xfrm>
+          <a:prstGeom prst="ellipse">
+            <a:avLst/>
+          </a:prstGeom>
+          <a:noFill/>
+          <a:ln w="76200"/>
+        </p:spPr>
+        <p:style>
+          <a:lnRef idx="2">
+            <a:schemeClr val="accent1">
+              <a:shade val="50000"/>
+            </a:schemeClr>
+          </a:lnRef>
+          <a:fillRef idx="1">
+            <a:schemeClr val="accent1"/>
+          </a:fillRef>
+          <a:effectRef idx="0">
+            <a:schemeClr val="accent1"/>
+          </a:effectRef>
+          <a:fontRef idx="minor">
+            <a:schemeClr val="lt1"/>
+          </a:fontRef>
+        </p:style>
+        <p:txBody>
+          <a:bodyPr rtlCol="0" anchor="ctr"/>
+          <a:lstStyle/>
+          <a:p>
+            <a:pPr algn="ctr"/>
+            <a:endParaRPr lang="ko-KR" altLang="en-US"/>
+          </a:p>
+        </p:txBody>
+      </p:sp>
+    </p:spTree>
+    <p:extLst>
+      <p:ext uri="{BB962C8B-B14F-4D97-AF65-F5344CB8AC3E}">
+        <p14:creationId xmlns:p14="http://schemas.microsoft.com/office/powerpoint/2010/main" val="88840313"/>
       </p:ext>
     </p:extLst>
   </p:cSld>
